--- a/research_question_presentation_A113.pptx
+++ b/research_question_presentation_A113.pptx
@@ -5,17 +5,16 @@
     <p:sldMasterId id="2147483648" r:id="rId1"/>
   </p:sldMasterIdLst>
   <p:notesMasterIdLst>
-    <p:notesMasterId r:id="rId7"/>
+    <p:notesMasterId r:id="rId6"/>
   </p:notesMasterIdLst>
   <p:handoutMasterIdLst>
-    <p:handoutMasterId r:id="rId9"/>
+    <p:handoutMasterId r:id="rId7"/>
   </p:handoutMasterIdLst>
   <p:sldIdLst>
-    <p:sldId id="337" r:id="rId3"/>
-    <p:sldId id="289" r:id="rId4"/>
-    <p:sldId id="339" r:id="rId5"/>
-    <p:sldId id="336" r:id="rId6"/>
-    <p:sldId id="338" r:id="rId8"/>
+    <p:sldId id="289" r:id="rId2"/>
+    <p:sldId id="339" r:id="rId3"/>
+    <p:sldId id="336" r:id="rId4"/>
+    <p:sldId id="338" r:id="rId5"/>
   </p:sldIdLst>
   <p:sldSz cx="12192000" cy="6858000"/>
   <p:notesSz cx="6858000" cy="9144000"/>
@@ -114,7 +113,78 @@
       </a:defRPr>
     </a:lvl9pPr>
   </p:defaultTextStyle>
+  <p:extLst>
+    <p:ext uri="{EFAFB233-063F-42B5-8137-9DF3F51BA10A}">
+      <p15:sldGuideLst xmlns:p15="http://schemas.microsoft.com/office/powerpoint/2012/main">
+        <p15:guide id="1" orient="horz" pos="2161">
+          <p15:clr>
+            <a:srgbClr val="A4A3A4"/>
+          </p15:clr>
+        </p15:guide>
+        <p15:guide id="2" pos="3839">
+          <p15:clr>
+            <a:srgbClr val="A4A3A4"/>
+          </p15:clr>
+        </p15:guide>
+        <p15:guide id="3" orient="horz" pos="3249">
+          <p15:clr>
+            <a:srgbClr val="A4A3A4"/>
+          </p15:clr>
+        </p15:guide>
+        <p15:guide id="4" pos="7099">
+          <p15:clr>
+            <a:srgbClr val="A4A3A4"/>
+          </p15:clr>
+        </p15:guide>
+        <p15:guide id="5" orient="horz" pos="1418">
+          <p15:clr>
+            <a:srgbClr val="A4A3A4"/>
+          </p15:clr>
+        </p15:guide>
+      </p15:sldGuideLst>
+    </p:ext>
+    <p:ext uri="{2D200454-40CA-4A62-9FC3-DE9A4176ACB9}">
+      <p15:notesGuideLst xmlns:p15="http://schemas.microsoft.com/office/powerpoint/2012/main"/>
+    </p:ext>
+  </p:extLst>
 </p:presentation>
+</file>
+
+<file path=ppt/revisionInfo.xml><?xml version="1.0" encoding="utf-8"?>
+<p1510:revInfo xmlns:a="http://schemas.openxmlformats.org/drawingml/2006/main" xmlns:r="http://schemas.openxmlformats.org/officeDocument/2006/relationships" xmlns:p1510="http://schemas.microsoft.com/office/powerpoint/2015/10/main">
+  <p1510:revLst>
+    <p1510:client id="{AABAD4BF-9E3C-4055-95BF-C1CDF64AEDB9}" v="1" dt="2024-11-08T14:33:45.725"/>
+  </p1510:revLst>
+</p1510:revInfo>
+</file>
+
+<file path=ppt/changesInfos/changesInfo1.xml><?xml version="1.0" encoding="utf-8"?>
+<pc:chgInfo xmlns:a="http://schemas.openxmlformats.org/drawingml/2006/main" xmlns:r="http://schemas.openxmlformats.org/officeDocument/2006/relationships" xmlns:ac="http://schemas.microsoft.com/office/drawing/2013/main/command" xmlns:pc="http://schemas.microsoft.com/office/powerpoint/2013/main/command">
+  <pc:docChgLst>
+    <pc:chgData name="Deepak [Student-PECS]" userId="ed8a08c7-5dac-44ec-9477-3022841934c3" providerId="ADAL" clId="{AABAD4BF-9E3C-4055-95BF-C1CDF64AEDB9}"/>
+    <pc:docChg chg="modSld">
+      <pc:chgData name="Deepak [Student-PECS]" userId="ed8a08c7-5dac-44ec-9477-3022841934c3" providerId="ADAL" clId="{AABAD4BF-9E3C-4055-95BF-C1CDF64AEDB9}" dt="2024-11-08T14:33:45.725" v="0"/>
+      <pc:docMkLst>
+        <pc:docMk/>
+      </pc:docMkLst>
+      <pc:sldChg chg="modSp">
+        <pc:chgData name="Deepak [Student-PECS]" userId="ed8a08c7-5dac-44ec-9477-3022841934c3" providerId="ADAL" clId="{AABAD4BF-9E3C-4055-95BF-C1CDF64AEDB9}" dt="2024-11-08T14:33:45.725" v="0"/>
+        <pc:sldMkLst>
+          <pc:docMk/>
+          <pc:sldMk cId="0" sldId="336"/>
+        </pc:sldMkLst>
+        <pc:spChg chg="mod">
+          <ac:chgData name="Deepak [Student-PECS]" userId="ed8a08c7-5dac-44ec-9477-3022841934c3" providerId="ADAL" clId="{AABAD4BF-9E3C-4055-95BF-C1CDF64AEDB9}" dt="2024-11-08T14:33:45.725" v="0"/>
+          <ac:spMkLst>
+            <pc:docMk/>
+            <pc:sldMk cId="0" sldId="336"/>
+            <ac:spMk id="2" creationId="{00000000-0000-0000-0000-000000000000}"/>
+          </ac:spMkLst>
+        </pc:spChg>
+      </pc:sldChg>
+    </pc:docChg>
+  </pc:docChgLst>
+</pc:chgInfo>
 </file>
 
 <file path=ppt/handoutMasters/handoutMaster1.xml><?xml version="1.0" encoding="utf-8"?>
@@ -199,6 +269,7 @@
           <a:p>
             <a:fld id="{93FAAC3A-BD1F-4A00-9099-74B95789FE00}" type="datetimeFigureOut">
               <a:rPr lang="en-GB" smtClean="0"/>
+              <a:t>08/11/2024</a:t>
             </a:fld>
             <a:endParaRPr lang="en-GB"/>
           </a:p>
@@ -264,12 +335,18 @@
           <a:p>
             <a:fld id="{C29F51D9-0FEB-436E-9280-D6033F603547}" type="slidenum">
               <a:rPr lang="en-GB" smtClean="0"/>
+              <a:t>‹#›</a:t>
             </a:fld>
             <a:endParaRPr lang="en-GB"/>
           </a:p>
         </p:txBody>
       </p:sp>
     </p:spTree>
+    <p:extLst>
+      <p:ext uri="{BB962C8B-B14F-4D97-AF65-F5344CB8AC3E}">
+        <p14:creationId xmlns:p14="http://schemas.microsoft.com/office/powerpoint/2010/main" val="1"/>
+      </p:ext>
+    </p:extLst>
   </p:cSld>
   <p:clrMap bg1="lt1" tx1="dk1" bg2="lt2" tx2="dk2" accent1="accent1" accent2="accent2" accent3="accent3" accent4="accent4" accent5="accent5" accent6="accent6" hlink="hlink" folHlink="folHlink"/>
 </p:handoutMaster>
@@ -357,6 +434,7 @@
           <a:p>
             <a:fld id="{8E359C8A-39F6-4045-9163-4042C4C26B15}" type="datetimeFigureOut">
               <a:rPr lang="en-GB" smtClean="0"/>
+              <a:t>08/11/2024</a:t>
             </a:fld>
             <a:endParaRPr lang="en-GB"/>
           </a:p>
@@ -423,7 +501,6 @@
               <a:rPr lang="en-US"/>
               <a:t>Click to edit Master text styles</a:t>
             </a:r>
-            <a:endParaRPr lang="en-US"/>
           </a:p>
           <a:p>
             <a:pPr lvl="1"/>
@@ -431,7 +508,6 @@
               <a:rPr lang="en-US"/>
               <a:t>Second level</a:t>
             </a:r>
-            <a:endParaRPr lang="en-US"/>
           </a:p>
           <a:p>
             <a:pPr lvl="2"/>
@@ -439,7 +515,6 @@
               <a:rPr lang="en-US"/>
               <a:t>Third level</a:t>
             </a:r>
-            <a:endParaRPr lang="en-US"/>
           </a:p>
           <a:p>
             <a:pPr lvl="3"/>
@@ -447,7 +522,6 @@
               <a:rPr lang="en-US"/>
               <a:t>Fourth level</a:t>
             </a:r>
-            <a:endParaRPr lang="en-US"/>
           </a:p>
           <a:p>
             <a:pPr lvl="4"/>
@@ -519,6 +593,7 @@
           <a:p>
             <a:fld id="{30370952-48CC-46D7-9FCD-59FAD40CC025}" type="slidenum">
               <a:rPr lang="en-GB" smtClean="0"/>
+              <a:t>‹#›</a:t>
             </a:fld>
             <a:endParaRPr lang="en-GB"/>
           </a:p>
@@ -687,6 +762,7 @@
           <a:p>
             <a:fld id="{30370952-48CC-46D7-9FCD-59FAD40CC025}" type="slidenum">
               <a:rPr lang="en-GB" smtClean="0"/>
+              <a:t>3</a:t>
             </a:fld>
             <a:endParaRPr lang="en-GB"/>
           </a:p>
@@ -765,6 +841,7 @@
           <a:p>
             <a:fld id="{30370952-48CC-46D7-9FCD-59FAD40CC025}" type="slidenum">
               <a:rPr lang="en-GB" smtClean="0"/>
+              <a:t>4</a:t>
             </a:fld>
             <a:endParaRPr lang="en-GB"/>
           </a:p>
@@ -898,7 +975,6 @@
               <a:rPr lang="en-US" dirty="0"/>
               <a:t>Picture</a:t>
             </a:r>
-            <a:endParaRPr lang="en-US" dirty="0"/>
           </a:p>
         </p:txBody>
       </p:sp>
@@ -971,7 +1047,7 @@
 </file>
 
 <file path=ppt/slideLayouts/slideLayout12.xml><?xml version="1.0" encoding="utf-8"?>
-<p:sldLayout xmlns:a="http://schemas.openxmlformats.org/drawingml/2006/main" xmlns:r="http://schemas.openxmlformats.org/officeDocument/2006/relationships" xmlns:p="http://schemas.openxmlformats.org/presentationml/2006/main" preserve="1" showMasterSp="0" userDrawn="1">
+<p:sldLayout xmlns:a="http://schemas.openxmlformats.org/drawingml/2006/main" xmlns:r="http://schemas.openxmlformats.org/officeDocument/2006/relationships" xmlns:p="http://schemas.openxmlformats.org/presentationml/2006/main" showMasterSp="0" preserve="1" userDrawn="1">
   <p:cSld name="Icons and text">
     <p:bg>
       <p:bgPr>
@@ -1014,7 +1090,6 @@
               <a:rPr lang="en-GB" dirty="0"/>
               <a:t>PRESENTATION TITLE (ADD VIA INSERT, HEADER &amp; FOOTER)</a:t>
             </a:r>
-            <a:endParaRPr lang="en-GB" dirty="0"/>
           </a:p>
         </p:txBody>
       </p:sp>
@@ -1035,6 +1110,7 @@
           <a:p>
             <a:fld id="{E4D355CA-84B7-41B1-B164-8BB439CC7C6B}" type="slidenum">
               <a:rPr lang="en-GB" smtClean="0"/>
+              <a:t>‹#›</a:t>
             </a:fld>
             <a:endParaRPr lang="en-GB"/>
           </a:p>
@@ -1134,7 +1210,6 @@
               <a:rPr lang="en-GB" dirty="0"/>
               <a:t>Add Text</a:t>
             </a:r>
-            <a:endParaRPr lang="en-GB" dirty="0"/>
           </a:p>
         </p:txBody>
       </p:sp>
@@ -1302,7 +1377,6 @@
               <a:rPr lang="en-US" dirty="0"/>
               <a:t>Text</a:t>
             </a:r>
-            <a:endParaRPr lang="en-US" dirty="0"/>
           </a:p>
         </p:txBody>
       </p:sp>
@@ -1556,6 +1630,7 @@
           <a:p>
             <a:fld id="{E4D355CA-84B7-41B1-B164-8BB439CC7C6B}" type="slidenum">
               <a:rPr lang="en-GB" smtClean="0"/>
+              <a:t>‹#›</a:t>
             </a:fld>
             <a:endParaRPr lang="en-GB" dirty="0"/>
           </a:p>
@@ -1780,6 +1855,7 @@
           <a:p>
             <a:fld id="{E4D355CA-84B7-41B1-B164-8BB439CC7C6B}" type="slidenum">
               <a:rPr lang="en-GB" smtClean="0"/>
+              <a:t>‹#›</a:t>
             </a:fld>
             <a:endParaRPr lang="en-GB" dirty="0"/>
           </a:p>
@@ -1947,7 +2023,6 @@
               <a:rPr lang="en-GB" dirty="0"/>
               <a:t>PRESENTATION TITLE (ADD VIA INSERT, HEADER &amp; FOOTER)</a:t>
             </a:r>
-            <a:endParaRPr lang="en-GB" dirty="0"/>
           </a:p>
         </p:txBody>
       </p:sp>
@@ -1983,6 +2058,7 @@
           <a:p>
             <a:fld id="{E4D355CA-84B7-41B1-B164-8BB439CC7C6B}" type="slidenum">
               <a:rPr lang="en-GB" smtClean="0"/>
+              <a:t>‹#›</a:t>
             </a:fld>
             <a:endParaRPr lang="en-GB" dirty="0"/>
           </a:p>
@@ -2210,7 +2286,6 @@
               <a:rPr lang="en-GB" dirty="0"/>
               <a:t>Add Text</a:t>
             </a:r>
-            <a:endParaRPr lang="en-GB" dirty="0"/>
           </a:p>
         </p:txBody>
       </p:sp>
@@ -2316,7 +2391,6 @@
               <a:rPr lang="en-GB" dirty="0"/>
               <a:t>PRESENTATION TITLE (ADD VIA INSERT, HEADER &amp; FOOTER)</a:t>
             </a:r>
-            <a:endParaRPr lang="en-GB" dirty="0"/>
           </a:p>
         </p:txBody>
       </p:sp>
@@ -2337,6 +2411,7 @@
           <a:p>
             <a:fld id="{E4D355CA-84B7-41B1-B164-8BB439CC7C6B}" type="slidenum">
               <a:rPr lang="en-GB" smtClean="0"/>
+              <a:t>‹#›</a:t>
             </a:fld>
             <a:endParaRPr lang="en-GB"/>
           </a:p>
@@ -2496,7 +2571,6 @@
               <a:rPr lang="en-GB" dirty="0"/>
               <a:t>Add Text</a:t>
             </a:r>
-            <a:endParaRPr lang="en-GB" dirty="0"/>
           </a:p>
         </p:txBody>
       </p:sp>
@@ -2519,7 +2593,6 @@
               <a:rPr lang="en-GB" dirty="0"/>
               <a:t>PRESENTATION TITLE (ADD VIA INSERT, HEADER &amp; FOOTER)</a:t>
             </a:r>
-            <a:endParaRPr lang="en-GB" dirty="0"/>
           </a:p>
         </p:txBody>
       </p:sp>
@@ -2540,6 +2613,7 @@
           <a:p>
             <a:fld id="{E4D355CA-84B7-41B1-B164-8BB439CC7C6B}" type="slidenum">
               <a:rPr lang="en-GB" smtClean="0"/>
+              <a:t>‹#›</a:t>
             </a:fld>
             <a:endParaRPr lang="en-GB"/>
           </a:p>
@@ -2700,7 +2774,6 @@
               <a:rPr lang="en-GB" dirty="0"/>
               <a:t>Add Text</a:t>
             </a:r>
-            <a:endParaRPr lang="en-GB" dirty="0"/>
           </a:p>
         </p:txBody>
       </p:sp>
@@ -2721,6 +2794,7 @@
           <a:p>
             <a:fld id="{E4D355CA-84B7-41B1-B164-8BB439CC7C6B}" type="slidenum">
               <a:rPr lang="en-GB" smtClean="0"/>
+              <a:t>‹#›</a:t>
             </a:fld>
             <a:endParaRPr lang="en-GB"/>
           </a:p>
@@ -2830,6 +2904,7 @@
           <a:p>
             <a:fld id="{E4D355CA-84B7-41B1-B164-8BB439CC7C6B}" type="slidenum">
               <a:rPr lang="en-GB" smtClean="0"/>
+              <a:t>‹#›</a:t>
             </a:fld>
             <a:endParaRPr lang="en-GB" dirty="0"/>
           </a:p>
@@ -3068,7 +3143,6 @@
               <a:rPr lang="en-GB" dirty="0"/>
               <a:t>PRESENTATION TITLE (ADD VIA INSERT, HEADER &amp; FOOTER)</a:t>
             </a:r>
-            <a:endParaRPr lang="en-GB" dirty="0"/>
           </a:p>
         </p:txBody>
       </p:sp>
@@ -3089,6 +3163,7 @@
           <a:p>
             <a:fld id="{E4D355CA-84B7-41B1-B164-8BB439CC7C6B}" type="slidenum">
               <a:rPr lang="en-GB" smtClean="0"/>
+              <a:t>‹#›</a:t>
             </a:fld>
             <a:endParaRPr lang="en-GB"/>
           </a:p>
@@ -3239,7 +3314,6 @@
               <a:rPr lang="en-GB" dirty="0"/>
               <a:t>PRESENTATION TITLE (ADD VIA INSERT, HEADER &amp; FOOTER)</a:t>
             </a:r>
-            <a:endParaRPr lang="en-GB" dirty="0"/>
           </a:p>
         </p:txBody>
       </p:sp>
@@ -3260,6 +3334,7 @@
           <a:p>
             <a:fld id="{E4D355CA-84B7-41B1-B164-8BB439CC7C6B}" type="slidenum">
               <a:rPr lang="en-GB" smtClean="0"/>
+              <a:t>‹#›</a:t>
             </a:fld>
             <a:endParaRPr lang="en-GB"/>
           </a:p>
@@ -3569,7 +3644,6 @@
               <a:rPr lang="en-US" dirty="0"/>
               <a:t>Click to edit Master text styles</a:t>
             </a:r>
-            <a:endParaRPr lang="en-US" dirty="0"/>
           </a:p>
           <a:p>
             <a:pPr lvl="1"/>
@@ -3577,7 +3651,6 @@
               <a:rPr lang="en-US" dirty="0"/>
               <a:t>Second level</a:t>
             </a:r>
-            <a:endParaRPr lang="en-US" dirty="0"/>
           </a:p>
           <a:p>
             <a:pPr lvl="2"/>
@@ -3585,7 +3658,6 @@
               <a:rPr lang="en-US" dirty="0"/>
               <a:t>Third level</a:t>
             </a:r>
-            <a:endParaRPr lang="en-US" dirty="0"/>
           </a:p>
           <a:p>
             <a:pPr lvl="3"/>
@@ -3593,7 +3665,6 @@
               <a:rPr lang="en-GB" dirty="0"/>
               <a:t>Fourth level</a:t>
             </a:r>
-            <a:endParaRPr lang="en-GB" dirty="0"/>
           </a:p>
           <a:p>
             <a:pPr lvl="4"/>
@@ -3644,7 +3715,6 @@
               <a:rPr lang="en-GB" dirty="0"/>
               <a:t>PRESENTATION TITLE (ADD VIA INSERT, HEADER &amp; FOOTER)</a:t>
             </a:r>
-            <a:endParaRPr lang="en-GB" dirty="0"/>
           </a:p>
         </p:txBody>
       </p:sp>
@@ -3685,6 +3755,7 @@
           <a:p>
             <a:fld id="{E4D355CA-84B7-41B1-B164-8BB439CC7C6B}" type="slidenum">
               <a:rPr lang="en-GB" smtClean="0"/>
+              <a:t>‹#›</a:t>
             </a:fld>
             <a:endParaRPr lang="en-GB" dirty="0"/>
           </a:p>
@@ -4004,163 +4075,10 @@
 <file path=ppt/slides/slide1.xml><?xml version="1.0" encoding="utf-8"?>
 <p:sld xmlns:a="http://schemas.openxmlformats.org/drawingml/2006/main" xmlns:r="http://schemas.openxmlformats.org/officeDocument/2006/relationships" xmlns:p="http://schemas.openxmlformats.org/presentationml/2006/main">
   <p:cSld>
-    <p:spTree>
-      <p:nvGrpSpPr>
-        <p:cNvPr id="1" name=""/>
-        <p:cNvGrpSpPr/>
-        <p:nvPr/>
-      </p:nvGrpSpPr>
-      <p:grpSpPr>
-        <a:xfrm>
-          <a:off x="0" y="0"/>
-          <a:ext cx="0" cy="0"/>
-          <a:chOff x="0" y="0"/>
-          <a:chExt cx="0" cy="0"/>
-        </a:xfrm>
-      </p:grpSpPr>
-      <p:sp>
-        <p:nvSpPr>
-          <p:cNvPr id="2" name="Subtitle 1"/>
-          <p:cNvSpPr>
-            <a:spLocks noGrp="1"/>
-          </p:cNvSpPr>
-          <p:nvPr>
-            <p:ph type="subTitle" idx="1"/>
-          </p:nvPr>
-        </p:nvSpPr>
-        <p:spPr>
-          <a:xfrm>
-            <a:off x="952800" y="699736"/>
-            <a:ext cx="10273911" cy="533111"/>
-          </a:xfrm>
-        </p:spPr>
-        <p:txBody>
-          <a:bodyPr/>
-          <a:lstStyle/>
-          <a:p>
-            <a:r>
-              <a:rPr lang="en-GB" dirty="0"/>
-              <a:t>Instructions for the Research Question Demos</a:t>
-            </a:r>
-            <a:endParaRPr lang="en-GB" dirty="0"/>
-          </a:p>
-        </p:txBody>
-      </p:sp>
-      <p:sp>
-        <p:nvSpPr>
-          <p:cNvPr id="4" name="Slide Number Placeholder 3"/>
-          <p:cNvSpPr>
-            <a:spLocks noGrp="1"/>
-          </p:cNvSpPr>
-          <p:nvPr>
-            <p:ph type="sldNum" sz="quarter" idx="12"/>
-          </p:nvPr>
-        </p:nvSpPr>
-        <p:spPr/>
-        <p:txBody>
-          <a:bodyPr/>
-          <a:lstStyle/>
-          <a:p>
-            <a:fld id="{E4D355CA-84B7-41B1-B164-8BB439CC7C6B}" type="slidenum">
-              <a:rPr lang="en-GB" smtClean="0"/>
-            </a:fld>
-            <a:endParaRPr lang="en-GB" dirty="0"/>
-          </a:p>
-        </p:txBody>
-      </p:sp>
-      <p:sp>
-        <p:nvSpPr>
-          <p:cNvPr id="6" name="TextBox 5"/>
-          <p:cNvSpPr txBox="1"/>
-          <p:nvPr/>
-        </p:nvSpPr>
-        <p:spPr>
-          <a:xfrm>
-            <a:off x="388578" y="1310979"/>
-            <a:ext cx="11486747" cy="4801314"/>
-          </a:xfrm>
-          <a:prstGeom prst="rect">
-            <a:avLst/>
-          </a:prstGeom>
-          <a:solidFill>
-            <a:schemeClr val="bg1"/>
-          </a:solidFill>
-        </p:spPr>
-        <p:txBody>
-          <a:bodyPr wrap="square" rtlCol="0">
-            <a:spAutoFit/>
-          </a:bodyPr>
-          <a:lstStyle/>
-          <a:p>
-            <a:r>
-              <a:rPr lang="en-GB" dirty="0"/>
-              <a:t>You have 3 minutes to present – be ready to share your screen, practice first. We can only offer you one opportunity to present so please make the most of it.</a:t>
-            </a:r>
-            <a:endParaRPr lang="en-GB" dirty="0"/>
-          </a:p>
-          <a:p>
-            <a:endParaRPr lang="en-GB" dirty="0"/>
-          </a:p>
-          <a:p>
-            <a:r>
-              <a:rPr lang="en-GB" dirty="0">
-                <a:solidFill>
-                  <a:srgbClr val="FF0000"/>
-                </a:solidFill>
-              </a:rPr>
-              <a:t>Research Questions are dependent on the variables and datatypes you have in your chosen dataset. Before going ahead with defining your Research Question, your dataset DSXXXX must match your assigned Dataset, I.e., did you check the dataset assignment list on Slack (Announcements)? Your group number must be assigned to the dataset you are referencing here.</a:t>
-            </a:r>
-            <a:endParaRPr lang="en-GB" dirty="0">
-              <a:solidFill>
-                <a:srgbClr val="FF0000"/>
-              </a:solidFill>
-            </a:endParaRPr>
-          </a:p>
-          <a:p>
-            <a:endParaRPr lang="en-GB" dirty="0"/>
-          </a:p>
-          <a:p>
-            <a:r>
-              <a:rPr lang="en-GB" dirty="0"/>
-              <a:t>The next few slides give you three alternatives for how to define your research question and hypotheses.  You will select only one type of research question. Before presenting DELETE all the texts that are either instructions or options you do not use (including this slide).   You can then enlarge your selection.</a:t>
-            </a:r>
-            <a:endParaRPr lang="en-GB" dirty="0"/>
-          </a:p>
-          <a:p>
-            <a:r>
-              <a:rPr lang="en-GB" dirty="0"/>
-              <a:t>We will send you instructions as to how to sign up.  Sign up early. When the space runs out, we cannot issue any further. DO NOT SIGN UP unless you can attend.  All the group members should attend but select one person to present.</a:t>
-            </a:r>
-            <a:endParaRPr lang="en-GB" dirty="0"/>
-          </a:p>
-          <a:p>
-            <a:r>
-              <a:rPr lang="en-GB" b="1" i="1" dirty="0"/>
-              <a:t>We look forward to giving you feedback.  You will not be graded on this presentation but if you do not attend and you booked a space you are preventing someone else presenting and are going against our module values</a:t>
-            </a:r>
-            <a:r>
-              <a:rPr lang="en-GB" dirty="0"/>
-              <a:t>.  This will be reflected in your peer evaluation.</a:t>
-            </a:r>
-            <a:endParaRPr lang="en-GB" dirty="0"/>
-          </a:p>
-        </p:txBody>
-      </p:sp>
-    </p:spTree>
-  </p:cSld>
-  <p:clrMapOvr>
-    <a:masterClrMapping/>
-  </p:clrMapOvr>
-</p:sld>
-</file>
-
-<file path=ppt/slides/slide2.xml><?xml version="1.0" encoding="utf-8"?>
-<p:sld xmlns:a="http://schemas.openxmlformats.org/drawingml/2006/main" xmlns:r="http://schemas.openxmlformats.org/officeDocument/2006/relationships" xmlns:p="http://schemas.openxmlformats.org/presentationml/2006/main">
-  <p:cSld>
     <p:bg>
       <p:bgPr>
         <a:blipFill dpi="0" rotWithShape="1">
-          <a:blip r:embed="rId1">
+          <a:blip r:embed="rId2">
             <a:lum/>
           </a:blip>
           <a:srcRect/>
@@ -4258,7 +4176,6 @@
               <a:rPr lang="en-US" altLang="en-US" sz="2000" dirty="0"/>
               <a:t>Deepak</a:t>
             </a:r>
-            <a:endParaRPr lang="en-US" altLang="en-US" sz="2000" dirty="0"/>
           </a:p>
         </p:txBody>
       </p:sp>
@@ -4294,10 +4211,112 @@
               <a:rPr lang="en-GB" dirty="0"/>
               <a:t>             Names of Student Attendees  (all group should attend to get feedback): </a:t>
             </a:r>
+          </a:p>
+        </p:txBody>
+      </p:sp>
+    </p:spTree>
+  </p:cSld>
+  <p:clrMapOvr>
+    <a:masterClrMapping/>
+  </p:clrMapOvr>
+</p:sld>
+</file>
+
+<file path=ppt/slides/slide2.xml><?xml version="1.0" encoding="utf-8"?>
+<p:sld xmlns:a="http://schemas.openxmlformats.org/drawingml/2006/main" xmlns:r="http://schemas.openxmlformats.org/officeDocument/2006/relationships" xmlns:p="http://schemas.openxmlformats.org/presentationml/2006/main">
+  <p:cSld>
+    <p:spTree>
+      <p:nvGrpSpPr>
+        <p:cNvPr id="1" name=""/>
+        <p:cNvGrpSpPr/>
+        <p:nvPr/>
+      </p:nvGrpSpPr>
+      <p:grpSpPr>
+        <a:xfrm>
+          <a:off x="0" y="0"/>
+          <a:ext cx="0" cy="0"/>
+          <a:chOff x="0" y="0"/>
+          <a:chExt cx="0" cy="0"/>
+        </a:xfrm>
+      </p:grpSpPr>
+      <p:sp>
+        <p:nvSpPr>
+          <p:cNvPr id="2" name="Subtitle 1"/>
+          <p:cNvSpPr>
+            <a:spLocks noGrp="1"/>
+          </p:cNvSpPr>
+          <p:nvPr>
+            <p:ph type="subTitle" idx="1"/>
+          </p:nvPr>
+        </p:nvSpPr>
+        <p:spPr>
+          <a:xfrm>
+            <a:off x="953770" y="1219200"/>
+            <a:ext cx="9769475" cy="618490"/>
+          </a:xfrm>
+        </p:spPr>
+        <p:txBody>
+          <a:bodyPr/>
+          <a:lstStyle/>
+          <a:p>
+            <a:r>
+              <a:rPr lang="en-US" altLang="en-GB" dirty="0"/>
+              <a:t>There are 93 rows in our dataset.</a:t>
+            </a:r>
+          </a:p>
+          <a:p>
+            <a:endParaRPr lang="en-US" altLang="en-GB" dirty="0"/>
+          </a:p>
+        </p:txBody>
+      </p:sp>
+      <p:sp>
+        <p:nvSpPr>
+          <p:cNvPr id="4" name="Slide Number Placeholder 3"/>
+          <p:cNvSpPr>
+            <a:spLocks noGrp="1"/>
+          </p:cNvSpPr>
+          <p:nvPr>
+            <p:ph type="sldNum" sz="quarter" idx="12"/>
+          </p:nvPr>
+        </p:nvSpPr>
+        <p:spPr/>
+        <p:txBody>
+          <a:bodyPr/>
+          <a:lstStyle/>
+          <a:p>
+            <a:fld id="{E4D355CA-84B7-41B1-B164-8BB439CC7C6B}" type="slidenum">
+              <a:rPr lang="en-GB" smtClean="0"/>
+              <a:t>2</a:t>
+            </a:fld>
             <a:endParaRPr lang="en-GB" dirty="0"/>
           </a:p>
         </p:txBody>
       </p:sp>
+      <p:pic>
+        <p:nvPicPr>
+          <p:cNvPr id="5" name="Picture 4" descr="Screenshot from 2024-11-07 19-15-04"/>
+          <p:cNvPicPr>
+            <a:picLocks noChangeAspect="1"/>
+          </p:cNvPicPr>
+          <p:nvPr/>
+        </p:nvPicPr>
+        <p:blipFill>
+          <a:blip r:embed="rId2"/>
+          <a:srcRect l="21576" t="35321" r="2995" b="40327"/>
+          <a:stretch>
+            <a:fillRect/>
+          </a:stretch>
+        </p:blipFill>
+        <p:spPr>
+          <a:xfrm>
+            <a:off x="73660" y="2172335"/>
+            <a:ext cx="11784965" cy="2150745"/>
+          </a:xfrm>
+          <a:prstGeom prst="rect">
+            <a:avLst/>
+          </a:prstGeom>
+        </p:spPr>
+      </p:pic>
     </p:spTree>
   </p:cSld>
   <p:clrMapOvr>
@@ -4335,109 +4354,6 @@
         </p:nvSpPr>
         <p:spPr>
           <a:xfrm>
-            <a:off x="953770" y="1219200"/>
-            <a:ext cx="9769475" cy="618490"/>
-          </a:xfrm>
-        </p:spPr>
-        <p:txBody>
-          <a:bodyPr/>
-          <a:lstStyle/>
-          <a:p>
-            <a:r>
-              <a:rPr lang="en-US" altLang="en-GB" dirty="0"/>
-              <a:t>There are 93 rows in our dataset.</a:t>
-            </a:r>
-            <a:endParaRPr lang="en-US" altLang="en-GB" dirty="0"/>
-          </a:p>
-          <a:p>
-            <a:endParaRPr lang="en-US" altLang="en-GB" dirty="0"/>
-          </a:p>
-        </p:txBody>
-      </p:sp>
-      <p:sp>
-        <p:nvSpPr>
-          <p:cNvPr id="4" name="Slide Number Placeholder 3"/>
-          <p:cNvSpPr>
-            <a:spLocks noGrp="1"/>
-          </p:cNvSpPr>
-          <p:nvPr>
-            <p:ph type="sldNum" sz="quarter" idx="12"/>
-          </p:nvPr>
-        </p:nvSpPr>
-        <p:spPr/>
-        <p:txBody>
-          <a:bodyPr/>
-          <a:lstStyle/>
-          <a:p>
-            <a:fld id="{E4D355CA-84B7-41B1-B164-8BB439CC7C6B}" type="slidenum">
-              <a:rPr lang="en-GB" smtClean="0"/>
-            </a:fld>
-            <a:endParaRPr lang="en-GB" dirty="0"/>
-          </a:p>
-        </p:txBody>
-      </p:sp>
-      <p:pic>
-        <p:nvPicPr>
-          <p:cNvPr id="5" name="Picture 4" descr="Screenshot from 2024-11-07 19-15-04"/>
-          <p:cNvPicPr>
-            <a:picLocks noChangeAspect="1"/>
-          </p:cNvPicPr>
-          <p:nvPr/>
-        </p:nvPicPr>
-        <p:blipFill>
-          <a:blip r:embed="rId1"/>
-          <a:srcRect l="21576" t="35321" r="2995" b="40327"/>
-          <a:stretch>
-            <a:fillRect/>
-          </a:stretch>
-        </p:blipFill>
-        <p:spPr>
-          <a:xfrm>
-            <a:off x="73660" y="2172335"/>
-            <a:ext cx="11784965" cy="2150745"/>
-          </a:xfrm>
-          <a:prstGeom prst="rect">
-            <a:avLst/>
-          </a:prstGeom>
-        </p:spPr>
-      </p:pic>
-    </p:spTree>
-  </p:cSld>
-  <p:clrMapOvr>
-    <a:masterClrMapping/>
-  </p:clrMapOvr>
-</p:sld>
-</file>
-
-<file path=ppt/slides/slide4.xml><?xml version="1.0" encoding="utf-8"?>
-<p:sld xmlns:a="http://schemas.openxmlformats.org/drawingml/2006/main" xmlns:r="http://schemas.openxmlformats.org/officeDocument/2006/relationships" xmlns:p="http://schemas.openxmlformats.org/presentationml/2006/main">
-  <p:cSld>
-    <p:spTree>
-      <p:nvGrpSpPr>
-        <p:cNvPr id="1" name=""/>
-        <p:cNvGrpSpPr/>
-        <p:nvPr/>
-      </p:nvGrpSpPr>
-      <p:grpSpPr>
-        <a:xfrm>
-          <a:off x="0" y="0"/>
-          <a:ext cx="0" cy="0"/>
-          <a:chOff x="0" y="0"/>
-          <a:chExt cx="0" cy="0"/>
-        </a:xfrm>
-      </p:grpSpPr>
-      <p:sp>
-        <p:nvSpPr>
-          <p:cNvPr id="2" name="Subtitle 1"/>
-          <p:cNvSpPr>
-            <a:spLocks noGrp="1"/>
-          </p:cNvSpPr>
-          <p:nvPr>
-            <p:ph type="subTitle" idx="1"/>
-          </p:nvPr>
-        </p:nvSpPr>
-        <p:spPr>
-          <a:xfrm>
             <a:off x="965200" y="1147445"/>
             <a:ext cx="9753600" cy="3271520"/>
           </a:xfrm>
@@ -4471,7 +4387,6 @@
               <a:rPr lang="en-GB" dirty="0"/>
               <a:t>Our Research Question is </a:t>
             </a:r>
-            <a:endParaRPr lang="en-GB" dirty="0"/>
           </a:p>
           <a:p>
             <a:pPr>
@@ -4489,13 +4404,8 @@
             </a:pPr>
             <a:r>
               <a:rPr lang="en-GB" b="0" dirty="0"/>
-              <a:t>"</a:t>
-            </a:r>
-            <a:r>
-              <a:rPr lang="en-GB" b="0" dirty="0"/>
-              <a:t>Is there a difference in the mean of the average fund allocation (dependent interval variable) between high-funding states and low-funding states (independent nominal variable)?"</a:t>
-            </a:r>
-            <a:endParaRPr lang="en-GB" b="0" dirty="0"/>
+              <a:t>"Is there a difference in the mean of the average fund allocation(dependent interval variable) across all states (Independent Nominal variable) in time of one year from 01-10-2012 to 01-09-2013?"</a:t>
+            </a:r>
           </a:p>
         </p:txBody>
       </p:sp>
@@ -4575,8 +4485,8 @@
         </p:nvSpPr>
         <p:spPr>
           <a:xfrm>
-            <a:off x="965200" y="4001135"/>
-            <a:ext cx="10640695" cy="1296670"/>
+            <a:off x="965200" y="4862145"/>
+            <a:ext cx="10640695" cy="435659"/>
           </a:xfrm>
         </p:spPr>
         <p:txBody>
@@ -4630,7 +4540,7 @@
 </p:sld>
 </file>
 
-<file path=ppt/slides/slide5.xml><?xml version="1.0" encoding="utf-8"?>
+<file path=ppt/slides/slide4.xml><?xml version="1.0" encoding="utf-8"?>
 <p:sld xmlns:a="http://schemas.openxmlformats.org/drawingml/2006/main" xmlns:r="http://schemas.openxmlformats.org/officeDocument/2006/relationships" xmlns:p="http://schemas.openxmlformats.org/presentationml/2006/main">
   <p:cSld>
     <p:spTree>
@@ -4692,15 +4602,8 @@
                 <a:latin typeface="Arial"/>
                 <a:cs typeface="Arial"/>
               </a:rPr>
-              <a:t> "There is no difference in the mean of the average fund allocation between high-funding states and low-funding states."</a:t>
-            </a:r>
-            <a:endParaRPr lang="en-GB" sz="2000" b="0" dirty="0">
-              <a:solidFill>
-                <a:schemeClr val="tx1"/>
-              </a:solidFill>
-              <a:latin typeface="Arial"/>
-              <a:cs typeface="Arial"/>
-            </a:endParaRPr>
+              <a:t> "There is no difference in the mean of the average fund allocation to all states between 01-10-2012 and 01-09-2013."</a:t>
+            </a:r>
           </a:p>
           <a:p>
             <a:pPr>
@@ -4740,7 +4643,16 @@
                 <a:latin typeface="Arial"/>
                 <a:cs typeface="Arial"/>
               </a:rPr>
-              <a:t> "There is a difference in the mean of the average fund allocation between high-funding states and low-funding states."</a:t>
+              <a:t> "There is a difference </a:t>
+            </a:r>
+            <a:r>
+              <a:rPr lang="en-GB" sz="2000" b="0" dirty="0">
+                <a:solidFill>
+                  <a:schemeClr val="tx1"/>
+                </a:solidFill>
+                <a:cs typeface="Arial"/>
+              </a:rPr>
+              <a:t>in the mean of the average fund allocation to all states between 01-10-2012 and 01-09-2013."</a:t>
             </a:r>
             <a:endParaRPr lang="en-GB" sz="2000" b="0" dirty="0">
               <a:solidFill>
@@ -5039,6 +4951,8 @@
       </a:bgFillStyleLst>
     </a:fmtScheme>
   </a:themeElements>
+  <a:objectDefaults/>
+  <a:extraClrSchemeLst/>
   <a:extLst>
     <a:ext uri="{05A4C25C-085E-4340-85A3-A5531E510DB2}">
       <thm15:themeFamily xmlns:thm15="http://schemas.microsoft.com/office/thememl/2012/main" name="Office Theme" id="{62F939B6-93AF-4DB8-9C6B-D6C7DFDC589F}" vid="{4A3C46E8-61CC-4603-A589-7422A47A8E4A}"/>
@@ -5298,6 +5212,8 @@
       </a:bgFillStyleLst>
     </a:fmtScheme>
   </a:themeElements>
+  <a:objectDefaults/>
+  <a:extraClrSchemeLst/>
   <a:extLst>
     <a:ext uri="{05A4C25C-085E-4340-85A3-A5531E510DB2}">
       <thm15:themeFamily xmlns:thm15="http://schemas.microsoft.com/office/thememl/2012/main" name="Office Theme" id="{62F939B6-93AF-4DB8-9C6B-D6C7DFDC589F}" vid="{4A3C46E8-61CC-4603-A589-7422A47A8E4A}"/>
@@ -5557,6 +5473,8 @@
       </a:bgFillStyleLst>
     </a:fmtScheme>
   </a:themeElements>
+  <a:objectDefaults/>
+  <a:extraClrSchemeLst/>
   <a:extLst>
     <a:ext uri="{05A4C25C-085E-4340-85A3-A5531E510DB2}">
       <thm15:themeFamily xmlns:thm15="http://schemas.microsoft.com/office/thememl/2012/main" name="Office Theme" id="{62F939B6-93AF-4DB8-9C6B-D6C7DFDC589F}" vid="{4A3C46E8-61CC-4603-A589-7422A47A8E4A}"/>

--- a/research_question_presentation_A113.pptx
+++ b/research_question_presentation_A113.pptx
@@ -8,13 +8,13 @@
     <p:notesMasterId r:id="rId6"/>
   </p:notesMasterIdLst>
   <p:handoutMasterIdLst>
-    <p:handoutMasterId r:id="rId7"/>
+    <p:handoutMasterId r:id="rId8"/>
   </p:handoutMasterIdLst>
   <p:sldIdLst>
-    <p:sldId id="289" r:id="rId2"/>
-    <p:sldId id="339" r:id="rId3"/>
-    <p:sldId id="336" r:id="rId4"/>
-    <p:sldId id="338" r:id="rId5"/>
+    <p:sldId id="289" r:id="rId3"/>
+    <p:sldId id="339" r:id="rId4"/>
+    <p:sldId id="336" r:id="rId5"/>
+    <p:sldId id="338" r:id="rId7"/>
   </p:sldIdLst>
   <p:sldSz cx="12192000" cy="6858000"/>
   <p:notesSz cx="6858000" cy="9144000"/>
@@ -113,78 +113,7 @@
       </a:defRPr>
     </a:lvl9pPr>
   </p:defaultTextStyle>
-  <p:extLst>
-    <p:ext uri="{EFAFB233-063F-42B5-8137-9DF3F51BA10A}">
-      <p15:sldGuideLst xmlns:p15="http://schemas.microsoft.com/office/powerpoint/2012/main">
-        <p15:guide id="1" orient="horz" pos="2161">
-          <p15:clr>
-            <a:srgbClr val="A4A3A4"/>
-          </p15:clr>
-        </p15:guide>
-        <p15:guide id="2" pos="3839">
-          <p15:clr>
-            <a:srgbClr val="A4A3A4"/>
-          </p15:clr>
-        </p15:guide>
-        <p15:guide id="3" orient="horz" pos="3249">
-          <p15:clr>
-            <a:srgbClr val="A4A3A4"/>
-          </p15:clr>
-        </p15:guide>
-        <p15:guide id="4" pos="7099">
-          <p15:clr>
-            <a:srgbClr val="A4A3A4"/>
-          </p15:clr>
-        </p15:guide>
-        <p15:guide id="5" orient="horz" pos="1418">
-          <p15:clr>
-            <a:srgbClr val="A4A3A4"/>
-          </p15:clr>
-        </p15:guide>
-      </p15:sldGuideLst>
-    </p:ext>
-    <p:ext uri="{2D200454-40CA-4A62-9FC3-DE9A4176ACB9}">
-      <p15:notesGuideLst xmlns:p15="http://schemas.microsoft.com/office/powerpoint/2012/main"/>
-    </p:ext>
-  </p:extLst>
 </p:presentation>
-</file>
-
-<file path=ppt/revisionInfo.xml><?xml version="1.0" encoding="utf-8"?>
-<p1510:revInfo xmlns:a="http://schemas.openxmlformats.org/drawingml/2006/main" xmlns:r="http://schemas.openxmlformats.org/officeDocument/2006/relationships" xmlns:p1510="http://schemas.microsoft.com/office/powerpoint/2015/10/main">
-  <p1510:revLst>
-    <p1510:client id="{AABAD4BF-9E3C-4055-95BF-C1CDF64AEDB9}" v="1" dt="2024-11-08T14:33:45.725"/>
-  </p1510:revLst>
-</p1510:revInfo>
-</file>
-
-<file path=ppt/changesInfos/changesInfo1.xml><?xml version="1.0" encoding="utf-8"?>
-<pc:chgInfo xmlns:a="http://schemas.openxmlformats.org/drawingml/2006/main" xmlns:r="http://schemas.openxmlformats.org/officeDocument/2006/relationships" xmlns:ac="http://schemas.microsoft.com/office/drawing/2013/main/command" xmlns:pc="http://schemas.microsoft.com/office/powerpoint/2013/main/command">
-  <pc:docChgLst>
-    <pc:chgData name="Deepak [Student-PECS]" userId="ed8a08c7-5dac-44ec-9477-3022841934c3" providerId="ADAL" clId="{AABAD4BF-9E3C-4055-95BF-C1CDF64AEDB9}"/>
-    <pc:docChg chg="modSld">
-      <pc:chgData name="Deepak [Student-PECS]" userId="ed8a08c7-5dac-44ec-9477-3022841934c3" providerId="ADAL" clId="{AABAD4BF-9E3C-4055-95BF-C1CDF64AEDB9}" dt="2024-11-08T14:33:45.725" v="0"/>
-      <pc:docMkLst>
-        <pc:docMk/>
-      </pc:docMkLst>
-      <pc:sldChg chg="modSp">
-        <pc:chgData name="Deepak [Student-PECS]" userId="ed8a08c7-5dac-44ec-9477-3022841934c3" providerId="ADAL" clId="{AABAD4BF-9E3C-4055-95BF-C1CDF64AEDB9}" dt="2024-11-08T14:33:45.725" v="0"/>
-        <pc:sldMkLst>
-          <pc:docMk/>
-          <pc:sldMk cId="0" sldId="336"/>
-        </pc:sldMkLst>
-        <pc:spChg chg="mod">
-          <ac:chgData name="Deepak [Student-PECS]" userId="ed8a08c7-5dac-44ec-9477-3022841934c3" providerId="ADAL" clId="{AABAD4BF-9E3C-4055-95BF-C1CDF64AEDB9}" dt="2024-11-08T14:33:45.725" v="0"/>
-          <ac:spMkLst>
-            <pc:docMk/>
-            <pc:sldMk cId="0" sldId="336"/>
-            <ac:spMk id="2" creationId="{00000000-0000-0000-0000-000000000000}"/>
-          </ac:spMkLst>
-        </pc:spChg>
-      </pc:sldChg>
-    </pc:docChg>
-  </pc:docChgLst>
-</pc:chgInfo>
 </file>
 
 <file path=ppt/handoutMasters/handoutMaster1.xml><?xml version="1.0" encoding="utf-8"?>
@@ -269,7 +198,6 @@
           <a:p>
             <a:fld id="{93FAAC3A-BD1F-4A00-9099-74B95789FE00}" type="datetimeFigureOut">
               <a:rPr lang="en-GB" smtClean="0"/>
-              <a:t>08/11/2024</a:t>
             </a:fld>
             <a:endParaRPr lang="en-GB"/>
           </a:p>
@@ -335,18 +263,12 @@
           <a:p>
             <a:fld id="{C29F51D9-0FEB-436E-9280-D6033F603547}" type="slidenum">
               <a:rPr lang="en-GB" smtClean="0"/>
-              <a:t>‹#›</a:t>
             </a:fld>
             <a:endParaRPr lang="en-GB"/>
           </a:p>
         </p:txBody>
       </p:sp>
     </p:spTree>
-    <p:extLst>
-      <p:ext uri="{BB962C8B-B14F-4D97-AF65-F5344CB8AC3E}">
-        <p14:creationId xmlns:p14="http://schemas.microsoft.com/office/powerpoint/2010/main" val="1"/>
-      </p:ext>
-    </p:extLst>
   </p:cSld>
   <p:clrMap bg1="lt1" tx1="dk1" bg2="lt2" tx2="dk2" accent1="accent1" accent2="accent2" accent3="accent3" accent4="accent4" accent5="accent5" accent6="accent6" hlink="hlink" folHlink="folHlink"/>
 </p:handoutMaster>
@@ -434,7 +356,6 @@
           <a:p>
             <a:fld id="{8E359C8A-39F6-4045-9163-4042C4C26B15}" type="datetimeFigureOut">
               <a:rPr lang="en-GB" smtClean="0"/>
-              <a:t>08/11/2024</a:t>
             </a:fld>
             <a:endParaRPr lang="en-GB"/>
           </a:p>
@@ -501,6 +422,7 @@
               <a:rPr lang="en-US"/>
               <a:t>Click to edit Master text styles</a:t>
             </a:r>
+            <a:endParaRPr lang="en-US"/>
           </a:p>
           <a:p>
             <a:pPr lvl="1"/>
@@ -508,6 +430,7 @@
               <a:rPr lang="en-US"/>
               <a:t>Second level</a:t>
             </a:r>
+            <a:endParaRPr lang="en-US"/>
           </a:p>
           <a:p>
             <a:pPr lvl="2"/>
@@ -515,6 +438,7 @@
               <a:rPr lang="en-US"/>
               <a:t>Third level</a:t>
             </a:r>
+            <a:endParaRPr lang="en-US"/>
           </a:p>
           <a:p>
             <a:pPr lvl="3"/>
@@ -522,6 +446,7 @@
               <a:rPr lang="en-US"/>
               <a:t>Fourth level</a:t>
             </a:r>
+            <a:endParaRPr lang="en-US"/>
           </a:p>
           <a:p>
             <a:pPr lvl="4"/>
@@ -593,7 +518,6 @@
           <a:p>
             <a:fld id="{30370952-48CC-46D7-9FCD-59FAD40CC025}" type="slidenum">
               <a:rPr lang="en-GB" smtClean="0"/>
-              <a:t>‹#›</a:t>
             </a:fld>
             <a:endParaRPr lang="en-GB"/>
           </a:p>
@@ -762,7 +686,6 @@
           <a:p>
             <a:fld id="{30370952-48CC-46D7-9FCD-59FAD40CC025}" type="slidenum">
               <a:rPr lang="en-GB" smtClean="0"/>
-              <a:t>3</a:t>
             </a:fld>
             <a:endParaRPr lang="en-GB"/>
           </a:p>
@@ -841,7 +764,6 @@
           <a:p>
             <a:fld id="{30370952-48CC-46D7-9FCD-59FAD40CC025}" type="slidenum">
               <a:rPr lang="en-GB" smtClean="0"/>
-              <a:t>4</a:t>
             </a:fld>
             <a:endParaRPr lang="en-GB"/>
           </a:p>
@@ -975,6 +897,7 @@
               <a:rPr lang="en-US" dirty="0"/>
               <a:t>Picture</a:t>
             </a:r>
+            <a:endParaRPr lang="en-US" dirty="0"/>
           </a:p>
         </p:txBody>
       </p:sp>
@@ -1047,7 +970,7 @@
 </file>
 
 <file path=ppt/slideLayouts/slideLayout12.xml><?xml version="1.0" encoding="utf-8"?>
-<p:sldLayout xmlns:a="http://schemas.openxmlformats.org/drawingml/2006/main" xmlns:r="http://schemas.openxmlformats.org/officeDocument/2006/relationships" xmlns:p="http://schemas.openxmlformats.org/presentationml/2006/main" showMasterSp="0" preserve="1" userDrawn="1">
+<p:sldLayout xmlns:a="http://schemas.openxmlformats.org/drawingml/2006/main" xmlns:r="http://schemas.openxmlformats.org/officeDocument/2006/relationships" xmlns:p="http://schemas.openxmlformats.org/presentationml/2006/main" preserve="1" showMasterSp="0" userDrawn="1">
   <p:cSld name="Icons and text">
     <p:bg>
       <p:bgPr>
@@ -1090,6 +1013,7 @@
               <a:rPr lang="en-GB" dirty="0"/>
               <a:t>PRESENTATION TITLE (ADD VIA INSERT, HEADER &amp; FOOTER)</a:t>
             </a:r>
+            <a:endParaRPr lang="en-GB" dirty="0"/>
           </a:p>
         </p:txBody>
       </p:sp>
@@ -1110,7 +1034,6 @@
           <a:p>
             <a:fld id="{E4D355CA-84B7-41B1-B164-8BB439CC7C6B}" type="slidenum">
               <a:rPr lang="en-GB" smtClean="0"/>
-              <a:t>‹#›</a:t>
             </a:fld>
             <a:endParaRPr lang="en-GB"/>
           </a:p>
@@ -1210,6 +1133,7 @@
               <a:rPr lang="en-GB" dirty="0"/>
               <a:t>Add Text</a:t>
             </a:r>
+            <a:endParaRPr lang="en-GB" dirty="0"/>
           </a:p>
         </p:txBody>
       </p:sp>
@@ -1377,6 +1301,7 @@
               <a:rPr lang="en-US" dirty="0"/>
               <a:t>Text</a:t>
             </a:r>
+            <a:endParaRPr lang="en-US" dirty="0"/>
           </a:p>
         </p:txBody>
       </p:sp>
@@ -1630,7 +1555,6 @@
           <a:p>
             <a:fld id="{E4D355CA-84B7-41B1-B164-8BB439CC7C6B}" type="slidenum">
               <a:rPr lang="en-GB" smtClean="0"/>
-              <a:t>‹#›</a:t>
             </a:fld>
             <a:endParaRPr lang="en-GB" dirty="0"/>
           </a:p>
@@ -1855,7 +1779,6 @@
           <a:p>
             <a:fld id="{E4D355CA-84B7-41B1-B164-8BB439CC7C6B}" type="slidenum">
               <a:rPr lang="en-GB" smtClean="0"/>
-              <a:t>‹#›</a:t>
             </a:fld>
             <a:endParaRPr lang="en-GB" dirty="0"/>
           </a:p>
@@ -2023,6 +1946,7 @@
               <a:rPr lang="en-GB" dirty="0"/>
               <a:t>PRESENTATION TITLE (ADD VIA INSERT, HEADER &amp; FOOTER)</a:t>
             </a:r>
+            <a:endParaRPr lang="en-GB" dirty="0"/>
           </a:p>
         </p:txBody>
       </p:sp>
@@ -2058,7 +1982,6 @@
           <a:p>
             <a:fld id="{E4D355CA-84B7-41B1-B164-8BB439CC7C6B}" type="slidenum">
               <a:rPr lang="en-GB" smtClean="0"/>
-              <a:t>‹#›</a:t>
             </a:fld>
             <a:endParaRPr lang="en-GB" dirty="0"/>
           </a:p>
@@ -2286,6 +2209,7 @@
               <a:rPr lang="en-GB" dirty="0"/>
               <a:t>Add Text</a:t>
             </a:r>
+            <a:endParaRPr lang="en-GB" dirty="0"/>
           </a:p>
         </p:txBody>
       </p:sp>
@@ -2391,6 +2315,7 @@
               <a:rPr lang="en-GB" dirty="0"/>
               <a:t>PRESENTATION TITLE (ADD VIA INSERT, HEADER &amp; FOOTER)</a:t>
             </a:r>
+            <a:endParaRPr lang="en-GB" dirty="0"/>
           </a:p>
         </p:txBody>
       </p:sp>
@@ -2411,7 +2336,6 @@
           <a:p>
             <a:fld id="{E4D355CA-84B7-41B1-B164-8BB439CC7C6B}" type="slidenum">
               <a:rPr lang="en-GB" smtClean="0"/>
-              <a:t>‹#›</a:t>
             </a:fld>
             <a:endParaRPr lang="en-GB"/>
           </a:p>
@@ -2571,6 +2495,7 @@
               <a:rPr lang="en-GB" dirty="0"/>
               <a:t>Add Text</a:t>
             </a:r>
+            <a:endParaRPr lang="en-GB" dirty="0"/>
           </a:p>
         </p:txBody>
       </p:sp>
@@ -2593,6 +2518,7 @@
               <a:rPr lang="en-GB" dirty="0"/>
               <a:t>PRESENTATION TITLE (ADD VIA INSERT, HEADER &amp; FOOTER)</a:t>
             </a:r>
+            <a:endParaRPr lang="en-GB" dirty="0"/>
           </a:p>
         </p:txBody>
       </p:sp>
@@ -2613,7 +2539,6 @@
           <a:p>
             <a:fld id="{E4D355CA-84B7-41B1-B164-8BB439CC7C6B}" type="slidenum">
               <a:rPr lang="en-GB" smtClean="0"/>
-              <a:t>‹#›</a:t>
             </a:fld>
             <a:endParaRPr lang="en-GB"/>
           </a:p>
@@ -2774,6 +2699,7 @@
               <a:rPr lang="en-GB" dirty="0"/>
               <a:t>Add Text</a:t>
             </a:r>
+            <a:endParaRPr lang="en-GB" dirty="0"/>
           </a:p>
         </p:txBody>
       </p:sp>
@@ -2794,7 +2720,6 @@
           <a:p>
             <a:fld id="{E4D355CA-84B7-41B1-B164-8BB439CC7C6B}" type="slidenum">
               <a:rPr lang="en-GB" smtClean="0"/>
-              <a:t>‹#›</a:t>
             </a:fld>
             <a:endParaRPr lang="en-GB"/>
           </a:p>
@@ -2904,7 +2829,6 @@
           <a:p>
             <a:fld id="{E4D355CA-84B7-41B1-B164-8BB439CC7C6B}" type="slidenum">
               <a:rPr lang="en-GB" smtClean="0"/>
-              <a:t>‹#›</a:t>
             </a:fld>
             <a:endParaRPr lang="en-GB" dirty="0"/>
           </a:p>
@@ -3143,6 +3067,7 @@
               <a:rPr lang="en-GB" dirty="0"/>
               <a:t>PRESENTATION TITLE (ADD VIA INSERT, HEADER &amp; FOOTER)</a:t>
             </a:r>
+            <a:endParaRPr lang="en-GB" dirty="0"/>
           </a:p>
         </p:txBody>
       </p:sp>
@@ -3163,7 +3088,6 @@
           <a:p>
             <a:fld id="{E4D355CA-84B7-41B1-B164-8BB439CC7C6B}" type="slidenum">
               <a:rPr lang="en-GB" smtClean="0"/>
-              <a:t>‹#›</a:t>
             </a:fld>
             <a:endParaRPr lang="en-GB"/>
           </a:p>
@@ -3314,6 +3238,7 @@
               <a:rPr lang="en-GB" dirty="0"/>
               <a:t>PRESENTATION TITLE (ADD VIA INSERT, HEADER &amp; FOOTER)</a:t>
             </a:r>
+            <a:endParaRPr lang="en-GB" dirty="0"/>
           </a:p>
         </p:txBody>
       </p:sp>
@@ -3334,7 +3259,6 @@
           <a:p>
             <a:fld id="{E4D355CA-84B7-41B1-B164-8BB439CC7C6B}" type="slidenum">
               <a:rPr lang="en-GB" smtClean="0"/>
-              <a:t>‹#›</a:t>
             </a:fld>
             <a:endParaRPr lang="en-GB"/>
           </a:p>
@@ -3644,6 +3568,7 @@
               <a:rPr lang="en-US" dirty="0"/>
               <a:t>Click to edit Master text styles</a:t>
             </a:r>
+            <a:endParaRPr lang="en-US" dirty="0"/>
           </a:p>
           <a:p>
             <a:pPr lvl="1"/>
@@ -3651,6 +3576,7 @@
               <a:rPr lang="en-US" dirty="0"/>
               <a:t>Second level</a:t>
             </a:r>
+            <a:endParaRPr lang="en-US" dirty="0"/>
           </a:p>
           <a:p>
             <a:pPr lvl="2"/>
@@ -3658,6 +3584,7 @@
               <a:rPr lang="en-US" dirty="0"/>
               <a:t>Third level</a:t>
             </a:r>
+            <a:endParaRPr lang="en-US" dirty="0"/>
           </a:p>
           <a:p>
             <a:pPr lvl="3"/>
@@ -3665,6 +3592,7 @@
               <a:rPr lang="en-GB" dirty="0"/>
               <a:t>Fourth level</a:t>
             </a:r>
+            <a:endParaRPr lang="en-GB" dirty="0"/>
           </a:p>
           <a:p>
             <a:pPr lvl="4"/>
@@ -3715,6 +3643,7 @@
               <a:rPr lang="en-GB" dirty="0"/>
               <a:t>PRESENTATION TITLE (ADD VIA INSERT, HEADER &amp; FOOTER)</a:t>
             </a:r>
+            <a:endParaRPr lang="en-GB" dirty="0"/>
           </a:p>
         </p:txBody>
       </p:sp>
@@ -3755,7 +3684,6 @@
           <a:p>
             <a:fld id="{E4D355CA-84B7-41B1-B164-8BB439CC7C6B}" type="slidenum">
               <a:rPr lang="en-GB" smtClean="0"/>
-              <a:t>‹#›</a:t>
             </a:fld>
             <a:endParaRPr lang="en-GB" dirty="0"/>
           </a:p>
@@ -4078,7 +4006,7 @@
     <p:bg>
       <p:bgPr>
         <a:blipFill dpi="0" rotWithShape="1">
-          <a:blip r:embed="rId2">
+          <a:blip r:embed="rId1">
             <a:lum/>
           </a:blip>
           <a:srcRect/>
@@ -4176,6 +4104,7 @@
               <a:rPr lang="en-US" altLang="en-US" sz="2000" dirty="0"/>
               <a:t>Deepak</a:t>
             </a:r>
+            <a:endParaRPr lang="en-US" altLang="en-US" sz="2000" dirty="0"/>
           </a:p>
         </p:txBody>
       </p:sp>
@@ -4211,6 +4140,7 @@
               <a:rPr lang="en-GB" dirty="0"/>
               <a:t>             Names of Student Attendees  (all group should attend to get feedback): </a:t>
             </a:r>
+            <a:endParaRPr lang="en-GB" dirty="0"/>
           </a:p>
         </p:txBody>
       </p:sp>
@@ -4261,8 +4191,17 @@
           <a:p>
             <a:r>
               <a:rPr lang="en-US" altLang="en-GB" dirty="0"/>
-              <a:t>There are 93 rows in our dataset.</a:t>
-            </a:r>
+              <a:t>There are 9</a:t>
+            </a:r>
+            <a:r>
+              <a:rPr lang="" altLang="en-US" dirty="0"/>
+              <a:t>2</a:t>
+            </a:r>
+            <a:r>
+              <a:rPr lang="en-US" altLang="en-GB" dirty="0"/>
+              <a:t> rows in our dataset.</a:t>
+            </a:r>
+            <a:endParaRPr lang="en-US" altLang="en-GB" dirty="0"/>
           </a:p>
           <a:p>
             <a:endParaRPr lang="en-US" altLang="en-GB" dirty="0"/>
@@ -4286,7 +4225,6 @@
           <a:p>
             <a:fld id="{E4D355CA-84B7-41B1-B164-8BB439CC7C6B}" type="slidenum">
               <a:rPr lang="en-GB" smtClean="0"/>
-              <a:t>2</a:t>
             </a:fld>
             <a:endParaRPr lang="en-GB" dirty="0"/>
           </a:p>
@@ -4301,7 +4239,7 @@
           <p:nvPr/>
         </p:nvPicPr>
         <p:blipFill>
-          <a:blip r:embed="rId2"/>
+          <a:blip r:embed="rId1"/>
           <a:srcRect l="21576" t="35321" r="2995" b="40327"/>
           <a:stretch>
             <a:fillRect/>
@@ -4387,6 +4325,7 @@
               <a:rPr lang="en-GB" dirty="0"/>
               <a:t>Our Research Question is </a:t>
             </a:r>
+            <a:endParaRPr lang="en-GB" dirty="0"/>
           </a:p>
           <a:p>
             <a:pPr>
@@ -4404,8 +4343,9 @@
             </a:pPr>
             <a:r>
               <a:rPr lang="en-GB" b="0" dirty="0"/>
-              <a:t>"Is there a difference in the mean of the average fund allocation(dependent interval variable) across all states (Independent Nominal variable) in time of one year from 01-10-2012 to 01-09-2013?"</a:t>
-            </a:r>
+              <a:t>"Is there a correlation between time (from October 2012 to September 2013) and the average fund allocation across states?"</a:t>
+            </a:r>
+            <a:endParaRPr lang="en-GB" b="0" dirty="0"/>
           </a:p>
         </p:txBody>
       </p:sp>
@@ -4434,10 +4374,10 @@
               <a:t>PRE 7COM1079-2024  Student Group No:  </a:t>
             </a:r>
             <a:r>
-              <a:rPr lang="" altLang="en-GB" dirty="0"/>
+              <a:rPr lang="en-US" altLang="en-GB" dirty="0"/>
               <a:t>A113</a:t>
             </a:r>
-            <a:endParaRPr lang="" altLang="en-GB" dirty="0">
+            <a:endParaRPr lang="en-US" altLang="en-GB" dirty="0">
               <a:solidFill>
                 <a:srgbClr val="FF0000"/>
               </a:solidFill>
@@ -4585,33 +4525,26 @@
               </a:lnSpc>
             </a:pPr>
             <a:r>
-              <a:rPr lang="en-GB" sz="2400" dirty="0">
+              <a:rPr lang="en-GB" sz="2800" dirty="0">
                 <a:solidFill>
                   <a:schemeClr val="tx1"/>
                 </a:solidFill>
                 <a:latin typeface="Arial"/>
                 <a:cs typeface="Arial"/>
               </a:rPr>
-              <a:t>Null Hypothesis (H₀):</a:t>
-            </a:r>
-            <a:r>
-              <a:rPr lang="en-GB" sz="2000" b="0" dirty="0">
+              <a:t>Null Hypothesis (H₀): </a:t>
+            </a:r>
+            <a:r>
+              <a:rPr lang="en-GB" sz="2800" b="0" dirty="0">
                 <a:solidFill>
                   <a:schemeClr val="tx1"/>
                 </a:solidFill>
                 <a:latin typeface="Arial"/>
                 <a:cs typeface="Arial"/>
               </a:rPr>
-              <a:t> "There is no difference in the mean of the average fund allocation to all states between 01-10-2012 and 01-09-2013."</a:t>
-            </a:r>
-          </a:p>
-          <a:p>
-            <a:pPr>
-              <a:lnSpc>
-                <a:spcPct val="100000"/>
-              </a:lnSpc>
-            </a:pPr>
-            <a:endParaRPr lang="en-GB" sz="2000" b="0" dirty="0">
+              <a:t>"There is no correlation between time (from October 2012 to September 2013) and the average fund allocation across states."</a:t>
+            </a:r>
+            <a:endParaRPr lang="en-GB" sz="2800" dirty="0">
               <a:solidFill>
                 <a:schemeClr val="tx1"/>
               </a:solidFill>
@@ -4626,35 +4559,26 @@
               </a:lnSpc>
             </a:pPr>
             <a:r>
-              <a:rPr lang="en-GB" sz="2400" dirty="0">
+              <a:rPr lang="en-GB" sz="2800" dirty="0">
                 <a:solidFill>
                   <a:schemeClr val="tx1"/>
                 </a:solidFill>
                 <a:latin typeface="Arial"/>
                 <a:cs typeface="Arial"/>
               </a:rPr>
-              <a:t>Alternative Hypothesis (H₁):</a:t>
-            </a:r>
-            <a:r>
-              <a:rPr lang="en-GB" sz="2000" b="0" dirty="0">
+              <a:t>Alternative Hypothesis (H₁): </a:t>
+            </a:r>
+            <a:r>
+              <a:rPr lang="en-GB" sz="2800" b="0" dirty="0">
                 <a:solidFill>
                   <a:schemeClr val="tx1"/>
                 </a:solidFill>
                 <a:latin typeface="Arial"/>
                 <a:cs typeface="Arial"/>
               </a:rPr>
-              <a:t> "There is a difference </a:t>
-            </a:r>
-            <a:r>
-              <a:rPr lang="en-GB" sz="2000" b="0" dirty="0">
-                <a:solidFill>
-                  <a:schemeClr val="tx1"/>
-                </a:solidFill>
-                <a:cs typeface="Arial"/>
-              </a:rPr>
-              <a:t>in the mean of the average fund allocation to all states between 01-10-2012 and 01-09-2013."</a:t>
-            </a:r>
-            <a:endParaRPr lang="en-GB" sz="2000" b="0" dirty="0">
+              <a:t>"There is a correlation between time (from October 2012 to September 2013) and the average fund allocation across states."</a:t>
+            </a:r>
+            <a:endParaRPr lang="en-GB" sz="2800" b="0" dirty="0">
               <a:solidFill>
                 <a:schemeClr val="tx1"/>
               </a:solidFill>
@@ -4951,8 +4875,6 @@
       </a:bgFillStyleLst>
     </a:fmtScheme>
   </a:themeElements>
-  <a:objectDefaults/>
-  <a:extraClrSchemeLst/>
   <a:extLst>
     <a:ext uri="{05A4C25C-085E-4340-85A3-A5531E510DB2}">
       <thm15:themeFamily xmlns:thm15="http://schemas.microsoft.com/office/thememl/2012/main" name="Office Theme" id="{62F939B6-93AF-4DB8-9C6B-D6C7DFDC589F}" vid="{4A3C46E8-61CC-4603-A589-7422A47A8E4A}"/>
@@ -5212,8 +5134,6 @@
       </a:bgFillStyleLst>
     </a:fmtScheme>
   </a:themeElements>
-  <a:objectDefaults/>
-  <a:extraClrSchemeLst/>
   <a:extLst>
     <a:ext uri="{05A4C25C-085E-4340-85A3-A5531E510DB2}">
       <thm15:themeFamily xmlns:thm15="http://schemas.microsoft.com/office/thememl/2012/main" name="Office Theme" id="{62F939B6-93AF-4DB8-9C6B-D6C7DFDC589F}" vid="{4A3C46E8-61CC-4603-A589-7422A47A8E4A}"/>
@@ -5473,8 +5393,6 @@
       </a:bgFillStyleLst>
     </a:fmtScheme>
   </a:themeElements>
-  <a:objectDefaults/>
-  <a:extraClrSchemeLst/>
   <a:extLst>
     <a:ext uri="{05A4C25C-085E-4340-85A3-A5531E510DB2}">
       <thm15:themeFamily xmlns:thm15="http://schemas.microsoft.com/office/thememl/2012/main" name="Office Theme" id="{62F939B6-93AF-4DB8-9C6B-D6C7DFDC589F}" vid="{4A3C46E8-61CC-4603-A589-7422A47A8E4A}"/>

--- a/research_question_presentation_A113.pptx
+++ b/research_question_presentation_A113.pptx
@@ -4194,7 +4194,7 @@
               <a:t>There are 9</a:t>
             </a:r>
             <a:r>
-              <a:rPr lang="" altLang="en-US" dirty="0"/>
+              <a:rPr lang="en-US" altLang="en-US" dirty="0"/>
               <a:t>2</a:t>
             </a:r>
             <a:r>
@@ -4325,7 +4325,7 @@
               <a:rPr lang="en-GB" dirty="0"/>
               <a:t>Our Research Question is </a:t>
             </a:r>
-            <a:endParaRPr lang="en-GB" dirty="0"/>
+            <a:endParaRPr lang="en-GB" b="0" dirty="0"/>
           </a:p>
           <a:p>
             <a:pPr>
@@ -4342,8 +4342,34 @@
               </a:spcAft>
             </a:pPr>
             <a:r>
-              <a:rPr lang="en-GB" b="0" dirty="0"/>
-              <a:t>"Is there a correlation between time (from October 2012 to September 2013) and the average fund allocation across states?"</a:t>
+              <a:rPr lang="en-GB" b="0" dirty="0">
+                <a:sym typeface="+mn-ea"/>
+              </a:rPr>
+              <a:t>"Is there a correlation between time </a:t>
+            </a:r>
+            <a:r>
+              <a:rPr lang="en-US" altLang="en-GB" b="0" dirty="0">
+                <a:sym typeface="+mn-ea"/>
+              </a:rPr>
+              <a:t>(Independent variable)</a:t>
+            </a:r>
+            <a:r>
+              <a:rPr lang="en-GB" b="0" dirty="0">
+                <a:sym typeface="+mn-ea"/>
+              </a:rPr>
+              <a:t>(from October 2012 to September 2013) and the average fund </a:t>
+            </a:r>
+            <a:r>
+              <a:rPr lang="en-US" altLang="en-GB" b="0" dirty="0">
+                <a:sym typeface="+mn-ea"/>
+              </a:rPr>
+              <a:t>(Dependent variable)</a:t>
+            </a:r>
+            <a:r>
+              <a:rPr lang="en-GB" b="0" dirty="0">
+                <a:sym typeface="+mn-ea"/>
+              </a:rPr>
+              <a:t>allocation across states?"</a:t>
             </a:r>
             <a:endParaRPr lang="en-GB" b="0" dirty="0"/>
           </a:p>

--- a/research_question_presentation_A113.pptx
+++ b/research_question_presentation_A113.pptx
@@ -4345,33 +4345,29 @@
               <a:rPr lang="en-GB" b="0" dirty="0">
                 <a:sym typeface="+mn-ea"/>
               </a:rPr>
-              <a:t>"Is there a correlation between time </a:t>
-            </a:r>
-            <a:r>
-              <a:rPr lang="en-US" altLang="en-GB" b="0" dirty="0">
+              <a:t>"Is there a correlation</a:t>
+            </a:r>
+            <a:r>
+              <a:rPr b="0" dirty="0">
                 <a:sym typeface="+mn-ea"/>
               </a:rPr>
-              <a:t>(Independent variable)</a:t>
-            </a:r>
-            <a:r>
-              <a:rPr lang="en-GB" b="0" dirty="0">
+              <a:t> in the </a:t>
+            </a:r>
+            <a:r>
+              <a:rPr lang="" b="0" dirty="0">
                 <a:sym typeface="+mn-ea"/>
               </a:rPr>
-              <a:t>(from October 2012 to September 2013) and the average fund </a:t>
-            </a:r>
-            <a:r>
-              <a:rPr lang="en-US" altLang="en-GB" b="0" dirty="0">
+              <a:t>monthly </a:t>
+            </a:r>
+            <a:r>
+              <a:rPr b="0" dirty="0">
                 <a:sym typeface="+mn-ea"/>
               </a:rPr>
-              <a:t>(Dependent variable)</a:t>
-            </a:r>
-            <a:r>
-              <a:rPr lang="en-GB" b="0" dirty="0">
-                <a:sym typeface="+mn-ea"/>
-              </a:rPr>
-              <a:t>allocation across states?"</a:t>
-            </a:r>
-            <a:endParaRPr lang="en-GB" b="0" dirty="0"/>
+              <a:t>average fund allocation to postpartum women over the period from October 2012 to September 2013 across all states?"</a:t>
+            </a:r>
+            <a:endParaRPr b="0" dirty="0">
+              <a:sym typeface="+mn-ea"/>
+            </a:endParaRPr>
           </a:p>
         </p:txBody>
       </p:sp>
@@ -4568,7 +4564,27 @@
                 <a:latin typeface="Arial"/>
                 <a:cs typeface="Arial"/>
               </a:rPr>
-              <a:t>"There is no correlation between time (from October 2012 to September 2013) and the average fund allocation across states."</a:t>
+              <a:t>"There is no correlation between time (October 2012 to September 2013) and the </a:t>
+            </a:r>
+            <a:r>
+              <a:rPr lang="" altLang="en-GB" sz="2800" b="0" dirty="0">
+                <a:solidFill>
+                  <a:schemeClr val="tx1"/>
+                </a:solidFill>
+                <a:latin typeface="Arial"/>
+                <a:cs typeface="Arial"/>
+              </a:rPr>
+              <a:t>monthly </a:t>
+            </a:r>
+            <a:r>
+              <a:rPr lang="en-GB" sz="2800" b="0" dirty="0">
+                <a:solidFill>
+                  <a:schemeClr val="tx1"/>
+                </a:solidFill>
+                <a:latin typeface="Arial"/>
+                <a:cs typeface="Arial"/>
+              </a:rPr>
+              <a:t>average fund allocation to postpartum women."</a:t>
             </a:r>
             <a:endParaRPr lang="en-GB" sz="2800" dirty="0">
               <a:solidFill>
@@ -4602,7 +4618,27 @@
                 <a:latin typeface="Arial"/>
                 <a:cs typeface="Arial"/>
               </a:rPr>
-              <a:t>"There is a correlation between time (from October 2012 to September 2013) and the average fund allocation across states."</a:t>
+              <a:t>"There is a correlation between time (October 2012 to September 2013) and the </a:t>
+            </a:r>
+            <a:r>
+              <a:rPr lang="" altLang="en-GB" sz="2800" b="0" dirty="0">
+                <a:solidFill>
+                  <a:schemeClr val="tx1"/>
+                </a:solidFill>
+                <a:latin typeface="Arial"/>
+                <a:cs typeface="Arial"/>
+              </a:rPr>
+              <a:t>monthly</a:t>
+            </a:r>
+            <a:r>
+              <a:rPr lang="en-GB" sz="2800" b="0" dirty="0">
+                <a:solidFill>
+                  <a:schemeClr val="tx1"/>
+                </a:solidFill>
+                <a:latin typeface="Arial"/>
+                <a:cs typeface="Arial"/>
+              </a:rPr>
+              <a:t> average fund allocation to postpartum women."</a:t>
             </a:r>
             <a:endParaRPr lang="en-GB" sz="2800" b="0" dirty="0">
               <a:solidFill>

--- a/research_question_presentation_A113.pptx
+++ b/research_question_presentation_A113.pptx
@@ -8,13 +8,13 @@
     <p:notesMasterId r:id="rId6"/>
   </p:notesMasterIdLst>
   <p:handoutMasterIdLst>
-    <p:handoutMasterId r:id="rId8"/>
+    <p:handoutMasterId r:id="rId7"/>
   </p:handoutMasterIdLst>
   <p:sldIdLst>
-    <p:sldId id="289" r:id="rId3"/>
-    <p:sldId id="339" r:id="rId4"/>
-    <p:sldId id="336" r:id="rId5"/>
-    <p:sldId id="338" r:id="rId7"/>
+    <p:sldId id="289" r:id="rId2"/>
+    <p:sldId id="340" r:id="rId3"/>
+    <p:sldId id="336" r:id="rId4"/>
+    <p:sldId id="338" r:id="rId5"/>
   </p:sldIdLst>
   <p:sldSz cx="12192000" cy="6858000"/>
   <p:notesSz cx="6858000" cy="9144000"/>
@@ -113,6 +113,40 @@
       </a:defRPr>
     </a:lvl9pPr>
   </p:defaultTextStyle>
+  <p:extLst>
+    <p:ext uri="{EFAFB233-063F-42B5-8137-9DF3F51BA10A}">
+      <p15:sldGuideLst xmlns:p15="http://schemas.microsoft.com/office/powerpoint/2012/main">
+        <p15:guide id="1" orient="horz" pos="2161">
+          <p15:clr>
+            <a:srgbClr val="A4A3A4"/>
+          </p15:clr>
+        </p15:guide>
+        <p15:guide id="2" pos="3839">
+          <p15:clr>
+            <a:srgbClr val="A4A3A4"/>
+          </p15:clr>
+        </p15:guide>
+        <p15:guide id="3" orient="horz" pos="3249">
+          <p15:clr>
+            <a:srgbClr val="A4A3A4"/>
+          </p15:clr>
+        </p15:guide>
+        <p15:guide id="4" pos="7099">
+          <p15:clr>
+            <a:srgbClr val="A4A3A4"/>
+          </p15:clr>
+        </p15:guide>
+        <p15:guide id="5" orient="horz" pos="1418">
+          <p15:clr>
+            <a:srgbClr val="A4A3A4"/>
+          </p15:clr>
+        </p15:guide>
+      </p15:sldGuideLst>
+    </p:ext>
+    <p:ext uri="{2D200454-40CA-4A62-9FC3-DE9A4176ACB9}">
+      <p15:notesGuideLst xmlns:p15="http://schemas.microsoft.com/office/powerpoint/2012/main"/>
+    </p:ext>
+  </p:extLst>
 </p:presentation>
 </file>
 
@@ -198,6 +232,7 @@
           <a:p>
             <a:fld id="{93FAAC3A-BD1F-4A00-9099-74B95789FE00}" type="datetimeFigureOut">
               <a:rPr lang="en-GB" smtClean="0"/>
+              <a:t>10/01/2025</a:t>
             </a:fld>
             <a:endParaRPr lang="en-GB"/>
           </a:p>
@@ -263,6 +298,7 @@
           <a:p>
             <a:fld id="{C29F51D9-0FEB-436E-9280-D6033F603547}" type="slidenum">
               <a:rPr lang="en-GB" smtClean="0"/>
+              <a:t>‹#›</a:t>
             </a:fld>
             <a:endParaRPr lang="en-GB"/>
           </a:p>
@@ -356,6 +392,7 @@
           <a:p>
             <a:fld id="{8E359C8A-39F6-4045-9163-4042C4C26B15}" type="datetimeFigureOut">
               <a:rPr lang="en-GB" smtClean="0"/>
+              <a:t>10/01/2025</a:t>
             </a:fld>
             <a:endParaRPr lang="en-GB"/>
           </a:p>
@@ -422,7 +459,6 @@
               <a:rPr lang="en-US"/>
               <a:t>Click to edit Master text styles</a:t>
             </a:r>
-            <a:endParaRPr lang="en-US"/>
           </a:p>
           <a:p>
             <a:pPr lvl="1"/>
@@ -430,7 +466,6 @@
               <a:rPr lang="en-US"/>
               <a:t>Second level</a:t>
             </a:r>
-            <a:endParaRPr lang="en-US"/>
           </a:p>
           <a:p>
             <a:pPr lvl="2"/>
@@ -438,7 +473,6 @@
               <a:rPr lang="en-US"/>
               <a:t>Third level</a:t>
             </a:r>
-            <a:endParaRPr lang="en-US"/>
           </a:p>
           <a:p>
             <a:pPr lvl="3"/>
@@ -446,7 +480,6 @@
               <a:rPr lang="en-US"/>
               <a:t>Fourth level</a:t>
             </a:r>
-            <a:endParaRPr lang="en-US"/>
           </a:p>
           <a:p>
             <a:pPr lvl="4"/>
@@ -518,6 +551,7 @@
           <a:p>
             <a:fld id="{30370952-48CC-46D7-9FCD-59FAD40CC025}" type="slidenum">
               <a:rPr lang="en-GB" smtClean="0"/>
+              <a:t>‹#›</a:t>
             </a:fld>
             <a:endParaRPr lang="en-GB"/>
           </a:p>
@@ -686,6 +720,7 @@
           <a:p>
             <a:fld id="{30370952-48CC-46D7-9FCD-59FAD40CC025}" type="slidenum">
               <a:rPr lang="en-GB" smtClean="0"/>
+              <a:t>3</a:t>
             </a:fld>
             <a:endParaRPr lang="en-GB"/>
           </a:p>
@@ -764,6 +799,7 @@
           <a:p>
             <a:fld id="{30370952-48CC-46D7-9FCD-59FAD40CC025}" type="slidenum">
               <a:rPr lang="en-GB" smtClean="0"/>
+              <a:t>4</a:t>
             </a:fld>
             <a:endParaRPr lang="en-GB"/>
           </a:p>
@@ -897,7 +933,6 @@
               <a:rPr lang="en-US" dirty="0"/>
               <a:t>Picture</a:t>
             </a:r>
-            <a:endParaRPr lang="en-US" dirty="0"/>
           </a:p>
         </p:txBody>
       </p:sp>
@@ -970,7 +1005,7 @@
 </file>
 
 <file path=ppt/slideLayouts/slideLayout12.xml><?xml version="1.0" encoding="utf-8"?>
-<p:sldLayout xmlns:a="http://schemas.openxmlformats.org/drawingml/2006/main" xmlns:r="http://schemas.openxmlformats.org/officeDocument/2006/relationships" xmlns:p="http://schemas.openxmlformats.org/presentationml/2006/main" preserve="1" showMasterSp="0" userDrawn="1">
+<p:sldLayout xmlns:a="http://schemas.openxmlformats.org/drawingml/2006/main" xmlns:r="http://schemas.openxmlformats.org/officeDocument/2006/relationships" xmlns:p="http://schemas.openxmlformats.org/presentationml/2006/main" showMasterSp="0" preserve="1" userDrawn="1">
   <p:cSld name="Icons and text">
     <p:bg>
       <p:bgPr>
@@ -1013,7 +1048,6 @@
               <a:rPr lang="en-GB" dirty="0"/>
               <a:t>PRESENTATION TITLE (ADD VIA INSERT, HEADER &amp; FOOTER)</a:t>
             </a:r>
-            <a:endParaRPr lang="en-GB" dirty="0"/>
           </a:p>
         </p:txBody>
       </p:sp>
@@ -1034,6 +1068,7 @@
           <a:p>
             <a:fld id="{E4D355CA-84B7-41B1-B164-8BB439CC7C6B}" type="slidenum">
               <a:rPr lang="en-GB" smtClean="0"/>
+              <a:t>‹#›</a:t>
             </a:fld>
             <a:endParaRPr lang="en-GB"/>
           </a:p>
@@ -1133,7 +1168,6 @@
               <a:rPr lang="en-GB" dirty="0"/>
               <a:t>Add Text</a:t>
             </a:r>
-            <a:endParaRPr lang="en-GB" dirty="0"/>
           </a:p>
         </p:txBody>
       </p:sp>
@@ -1301,7 +1335,6 @@
               <a:rPr lang="en-US" dirty="0"/>
               <a:t>Text</a:t>
             </a:r>
-            <a:endParaRPr lang="en-US" dirty="0"/>
           </a:p>
         </p:txBody>
       </p:sp>
@@ -1555,6 +1588,7 @@
           <a:p>
             <a:fld id="{E4D355CA-84B7-41B1-B164-8BB439CC7C6B}" type="slidenum">
               <a:rPr lang="en-GB" smtClean="0"/>
+              <a:t>‹#›</a:t>
             </a:fld>
             <a:endParaRPr lang="en-GB" dirty="0"/>
           </a:p>
@@ -1779,6 +1813,7 @@
           <a:p>
             <a:fld id="{E4D355CA-84B7-41B1-B164-8BB439CC7C6B}" type="slidenum">
               <a:rPr lang="en-GB" smtClean="0"/>
+              <a:t>‹#›</a:t>
             </a:fld>
             <a:endParaRPr lang="en-GB" dirty="0"/>
           </a:p>
@@ -1946,7 +1981,6 @@
               <a:rPr lang="en-GB" dirty="0"/>
               <a:t>PRESENTATION TITLE (ADD VIA INSERT, HEADER &amp; FOOTER)</a:t>
             </a:r>
-            <a:endParaRPr lang="en-GB" dirty="0"/>
           </a:p>
         </p:txBody>
       </p:sp>
@@ -1982,6 +2016,7 @@
           <a:p>
             <a:fld id="{E4D355CA-84B7-41B1-B164-8BB439CC7C6B}" type="slidenum">
               <a:rPr lang="en-GB" smtClean="0"/>
+              <a:t>‹#›</a:t>
             </a:fld>
             <a:endParaRPr lang="en-GB" dirty="0"/>
           </a:p>
@@ -2209,7 +2244,6 @@
               <a:rPr lang="en-GB" dirty="0"/>
               <a:t>Add Text</a:t>
             </a:r>
-            <a:endParaRPr lang="en-GB" dirty="0"/>
           </a:p>
         </p:txBody>
       </p:sp>
@@ -2315,7 +2349,6 @@
               <a:rPr lang="en-GB" dirty="0"/>
               <a:t>PRESENTATION TITLE (ADD VIA INSERT, HEADER &amp; FOOTER)</a:t>
             </a:r>
-            <a:endParaRPr lang="en-GB" dirty="0"/>
           </a:p>
         </p:txBody>
       </p:sp>
@@ -2336,6 +2369,7 @@
           <a:p>
             <a:fld id="{E4D355CA-84B7-41B1-B164-8BB439CC7C6B}" type="slidenum">
               <a:rPr lang="en-GB" smtClean="0"/>
+              <a:t>‹#›</a:t>
             </a:fld>
             <a:endParaRPr lang="en-GB"/>
           </a:p>
@@ -2495,7 +2529,6 @@
               <a:rPr lang="en-GB" dirty="0"/>
               <a:t>Add Text</a:t>
             </a:r>
-            <a:endParaRPr lang="en-GB" dirty="0"/>
           </a:p>
         </p:txBody>
       </p:sp>
@@ -2518,7 +2551,6 @@
               <a:rPr lang="en-GB" dirty="0"/>
               <a:t>PRESENTATION TITLE (ADD VIA INSERT, HEADER &amp; FOOTER)</a:t>
             </a:r>
-            <a:endParaRPr lang="en-GB" dirty="0"/>
           </a:p>
         </p:txBody>
       </p:sp>
@@ -2539,6 +2571,7 @@
           <a:p>
             <a:fld id="{E4D355CA-84B7-41B1-B164-8BB439CC7C6B}" type="slidenum">
               <a:rPr lang="en-GB" smtClean="0"/>
+              <a:t>‹#›</a:t>
             </a:fld>
             <a:endParaRPr lang="en-GB"/>
           </a:p>
@@ -2699,7 +2732,6 @@
               <a:rPr lang="en-GB" dirty="0"/>
               <a:t>Add Text</a:t>
             </a:r>
-            <a:endParaRPr lang="en-GB" dirty="0"/>
           </a:p>
         </p:txBody>
       </p:sp>
@@ -2720,6 +2752,7 @@
           <a:p>
             <a:fld id="{E4D355CA-84B7-41B1-B164-8BB439CC7C6B}" type="slidenum">
               <a:rPr lang="en-GB" smtClean="0"/>
+              <a:t>‹#›</a:t>
             </a:fld>
             <a:endParaRPr lang="en-GB"/>
           </a:p>
@@ -2829,6 +2862,7 @@
           <a:p>
             <a:fld id="{E4D355CA-84B7-41B1-B164-8BB439CC7C6B}" type="slidenum">
               <a:rPr lang="en-GB" smtClean="0"/>
+              <a:t>‹#›</a:t>
             </a:fld>
             <a:endParaRPr lang="en-GB" dirty="0"/>
           </a:p>
@@ -3067,7 +3101,6 @@
               <a:rPr lang="en-GB" dirty="0"/>
               <a:t>PRESENTATION TITLE (ADD VIA INSERT, HEADER &amp; FOOTER)</a:t>
             </a:r>
-            <a:endParaRPr lang="en-GB" dirty="0"/>
           </a:p>
         </p:txBody>
       </p:sp>
@@ -3088,6 +3121,7 @@
           <a:p>
             <a:fld id="{E4D355CA-84B7-41B1-B164-8BB439CC7C6B}" type="slidenum">
               <a:rPr lang="en-GB" smtClean="0"/>
+              <a:t>‹#›</a:t>
             </a:fld>
             <a:endParaRPr lang="en-GB"/>
           </a:p>
@@ -3238,7 +3272,6 @@
               <a:rPr lang="en-GB" dirty="0"/>
               <a:t>PRESENTATION TITLE (ADD VIA INSERT, HEADER &amp; FOOTER)</a:t>
             </a:r>
-            <a:endParaRPr lang="en-GB" dirty="0"/>
           </a:p>
         </p:txBody>
       </p:sp>
@@ -3259,6 +3292,7 @@
           <a:p>
             <a:fld id="{E4D355CA-84B7-41B1-B164-8BB439CC7C6B}" type="slidenum">
               <a:rPr lang="en-GB" smtClean="0"/>
+              <a:t>‹#›</a:t>
             </a:fld>
             <a:endParaRPr lang="en-GB"/>
           </a:p>
@@ -3568,7 +3602,6 @@
               <a:rPr lang="en-US" dirty="0"/>
               <a:t>Click to edit Master text styles</a:t>
             </a:r>
-            <a:endParaRPr lang="en-US" dirty="0"/>
           </a:p>
           <a:p>
             <a:pPr lvl="1"/>
@@ -3576,7 +3609,6 @@
               <a:rPr lang="en-US" dirty="0"/>
               <a:t>Second level</a:t>
             </a:r>
-            <a:endParaRPr lang="en-US" dirty="0"/>
           </a:p>
           <a:p>
             <a:pPr lvl="2"/>
@@ -3584,7 +3616,6 @@
               <a:rPr lang="en-US" dirty="0"/>
               <a:t>Third level</a:t>
             </a:r>
-            <a:endParaRPr lang="en-US" dirty="0"/>
           </a:p>
           <a:p>
             <a:pPr lvl="3"/>
@@ -3592,7 +3623,6 @@
               <a:rPr lang="en-GB" dirty="0"/>
               <a:t>Fourth level</a:t>
             </a:r>
-            <a:endParaRPr lang="en-GB" dirty="0"/>
           </a:p>
           <a:p>
             <a:pPr lvl="4"/>
@@ -3643,7 +3673,6 @@
               <a:rPr lang="en-GB" dirty="0"/>
               <a:t>PRESENTATION TITLE (ADD VIA INSERT, HEADER &amp; FOOTER)</a:t>
             </a:r>
-            <a:endParaRPr lang="en-GB" dirty="0"/>
           </a:p>
         </p:txBody>
       </p:sp>
@@ -3684,6 +3713,7 @@
           <a:p>
             <a:fld id="{E4D355CA-84B7-41B1-B164-8BB439CC7C6B}" type="slidenum">
               <a:rPr lang="en-GB" smtClean="0"/>
+              <a:t>‹#›</a:t>
             </a:fld>
             <a:endParaRPr lang="en-GB" dirty="0"/>
           </a:p>
@@ -4006,7 +4036,7 @@
     <p:bg>
       <p:bgPr>
         <a:blipFill dpi="0" rotWithShape="1">
-          <a:blip r:embed="rId1">
+          <a:blip r:embed="rId2">
             <a:lum/>
           </a:blip>
           <a:srcRect/>
@@ -4104,7 +4134,6 @@
               <a:rPr lang="en-US" altLang="en-US" sz="2000" dirty="0"/>
               <a:t>Deepak</a:t>
             </a:r>
-            <a:endParaRPr lang="en-US" altLang="en-US" sz="2000" dirty="0"/>
           </a:p>
         </p:txBody>
       </p:sp>
@@ -4140,7 +4169,6 @@
               <a:rPr lang="en-GB" dirty="0"/>
               <a:t>             Names of Student Attendees  (all group should attend to get feedback): </a:t>
             </a:r>
-            <a:endParaRPr lang="en-GB" dirty="0"/>
           </a:p>
         </p:txBody>
       </p:sp>
@@ -4201,7 +4229,6 @@
               <a:rPr lang="en-US" altLang="en-GB" dirty="0"/>
               <a:t> rows in our dataset.</a:t>
             </a:r>
-            <a:endParaRPr lang="en-US" altLang="en-GB" dirty="0"/>
           </a:p>
           <a:p>
             <a:endParaRPr lang="en-US" altLang="en-GB" dirty="0"/>
@@ -4225,6 +4252,7 @@
           <a:p>
             <a:fld id="{E4D355CA-84B7-41B1-B164-8BB439CC7C6B}" type="slidenum">
               <a:rPr lang="en-GB" smtClean="0"/>
+              <a:t>2</a:t>
             </a:fld>
             <a:endParaRPr lang="en-GB" dirty="0"/>
           </a:p>
@@ -4239,7 +4267,7 @@
           <p:nvPr/>
         </p:nvPicPr>
         <p:blipFill>
-          <a:blip r:embed="rId1"/>
+          <a:blip r:embed="rId2"/>
           <a:srcRect l="21576" t="35321" r="2995" b="40327"/>
           <a:stretch>
             <a:fillRect/>
@@ -4256,6 +4284,11 @@
         </p:spPr>
       </p:pic>
     </p:spTree>
+    <p:extLst>
+      <p:ext uri="{BB962C8B-B14F-4D97-AF65-F5344CB8AC3E}">
+        <p14:creationId xmlns:p14="http://schemas.microsoft.com/office/powerpoint/2010/main" val="1701604397"/>
+      </p:ext>
+    </p:extLst>
   </p:cSld>
   <p:clrMapOvr>
     <a:masterClrMapping/>
@@ -4365,9 +4398,6 @@
               </a:rPr>
               <a:t>average fund allocation to postpartum women over the period from October 2012 to September 2013 across all states?"</a:t>
             </a:r>
-            <a:endParaRPr b="0" dirty="0">
-              <a:sym typeface="+mn-ea"/>
-            </a:endParaRPr>
           </a:p>
         </p:txBody>
       </p:sp>
@@ -4640,13 +4670,6 @@
               </a:rPr>
               <a:t> average fund allocation to postpartum women."</a:t>
             </a:r>
-            <a:endParaRPr lang="en-GB" sz="2800" b="0" dirty="0">
-              <a:solidFill>
-                <a:schemeClr val="tx1"/>
-              </a:solidFill>
-              <a:latin typeface="Arial"/>
-              <a:cs typeface="Arial"/>
-            </a:endParaRPr>
           </a:p>
         </p:txBody>
       </p:sp>
@@ -4937,6 +4960,8 @@
       </a:bgFillStyleLst>
     </a:fmtScheme>
   </a:themeElements>
+  <a:objectDefaults/>
+  <a:extraClrSchemeLst/>
   <a:extLst>
     <a:ext uri="{05A4C25C-085E-4340-85A3-A5531E510DB2}">
       <thm15:themeFamily xmlns:thm15="http://schemas.microsoft.com/office/thememl/2012/main" name="Office Theme" id="{62F939B6-93AF-4DB8-9C6B-D6C7DFDC589F}" vid="{4A3C46E8-61CC-4603-A589-7422A47A8E4A}"/>
@@ -5196,6 +5221,8 @@
       </a:bgFillStyleLst>
     </a:fmtScheme>
   </a:themeElements>
+  <a:objectDefaults/>
+  <a:extraClrSchemeLst/>
   <a:extLst>
     <a:ext uri="{05A4C25C-085E-4340-85A3-A5531E510DB2}">
       <thm15:themeFamily xmlns:thm15="http://schemas.microsoft.com/office/thememl/2012/main" name="Office Theme" id="{62F939B6-93AF-4DB8-9C6B-D6C7DFDC589F}" vid="{4A3C46E8-61CC-4603-A589-7422A47A8E4A}"/>
@@ -5455,6 +5482,8 @@
       </a:bgFillStyleLst>
     </a:fmtScheme>
   </a:themeElements>
+  <a:objectDefaults/>
+  <a:extraClrSchemeLst/>
   <a:extLst>
     <a:ext uri="{05A4C25C-085E-4340-85A3-A5531E510DB2}">
       <thm15:themeFamily xmlns:thm15="http://schemas.microsoft.com/office/thememl/2012/main" name="Office Theme" id="{62F939B6-93AF-4DB8-9C6B-D6C7DFDC589F}" vid="{4A3C46E8-61CC-4603-A589-7422A47A8E4A}"/>

--- a/research_question_presentation_A113.pptx
+++ b/research_question_presentation_A113.pptx
@@ -11,7 +11,7 @@
     <p:handoutMasterId r:id="rId7"/>
   </p:handoutMasterIdLst>
   <p:sldIdLst>
-    <p:sldId id="289" r:id="rId2"/>
+    <p:sldId id="341" r:id="rId2"/>
     <p:sldId id="340" r:id="rId3"/>
     <p:sldId id="336" r:id="rId4"/>
     <p:sldId id="338" r:id="rId5"/>
@@ -4173,6 +4173,11 @@
         </p:txBody>
       </p:sp>
     </p:spTree>
+    <p:extLst>
+      <p:ext uri="{BB962C8B-B14F-4D97-AF65-F5344CB8AC3E}">
+        <p14:creationId xmlns:p14="http://schemas.microsoft.com/office/powerpoint/2010/main" val="2727939506"/>
+      </p:ext>
+    </p:extLst>
   </p:cSld>
   <p:clrMapOvr>
     <a:masterClrMapping/>

--- a/research_question_presentation_A113.pptx
+++ b/research_question_presentation_A113.pptx
@@ -13,8 +13,8 @@
   <p:sldIdLst>
     <p:sldId id="341" r:id="rId2"/>
     <p:sldId id="340" r:id="rId3"/>
-    <p:sldId id="336" r:id="rId4"/>
-    <p:sldId id="338" r:id="rId5"/>
+    <p:sldId id="342" r:id="rId4"/>
+    <p:sldId id="343" r:id="rId5"/>
   </p:sldIdLst>
   <p:sldSz cx="12192000" cy="6858000"/>
   <p:notesSz cx="6858000" cy="9144000"/>
@@ -727,6 +727,11 @@
         </p:txBody>
       </p:sp>
     </p:spTree>
+    <p:extLst>
+      <p:ext uri="{BB962C8B-B14F-4D97-AF65-F5344CB8AC3E}">
+        <p14:creationId xmlns:p14="http://schemas.microsoft.com/office/powerpoint/2010/main" val="342310154"/>
+      </p:ext>
+    </p:extLst>
   </p:cSld>
   <p:clrMapOvr>
     <a:masterClrMapping/>
@@ -806,6 +811,11 @@
         </p:txBody>
       </p:sp>
     </p:spTree>
+    <p:extLst>
+      <p:ext uri="{BB962C8B-B14F-4D97-AF65-F5344CB8AC3E}">
+        <p14:creationId xmlns:p14="http://schemas.microsoft.com/office/powerpoint/2010/main" val="2747443976"/>
+      </p:ext>
+    </p:extLst>
   </p:cSld>
   <p:clrMapOvr>
     <a:masterClrMapping/>
@@ -4530,6 +4540,11 @@
         </p:txBody>
       </p:sp>
     </p:spTree>
+    <p:extLst>
+      <p:ext uri="{BB962C8B-B14F-4D97-AF65-F5344CB8AC3E}">
+        <p14:creationId xmlns:p14="http://schemas.microsoft.com/office/powerpoint/2010/main" val="1627490454"/>
+      </p:ext>
+    </p:extLst>
   </p:cSld>
   <p:clrMapOvr>
     <a:masterClrMapping/>
@@ -4707,6 +4722,11 @@
         </p:txBody>
       </p:sp>
     </p:spTree>
+    <p:extLst>
+      <p:ext uri="{BB962C8B-B14F-4D97-AF65-F5344CB8AC3E}">
+        <p14:creationId xmlns:p14="http://schemas.microsoft.com/office/powerpoint/2010/main" val="3271675089"/>
+      </p:ext>
+    </p:extLst>
   </p:cSld>
   <p:clrMapOvr>
     <a:masterClrMapping/>

--- a/research_question_presentation_A113.pptx
+++ b/research_question_presentation_A113.pptx
@@ -12,7 +12,7 @@
   </p:handoutMasterIdLst>
   <p:sldIdLst>
     <p:sldId id="341" r:id="rId2"/>
-    <p:sldId id="340" r:id="rId3"/>
+    <p:sldId id="344" r:id="rId3"/>
     <p:sldId id="342" r:id="rId4"/>
     <p:sldId id="343" r:id="rId5"/>
   </p:sldIdLst>
@@ -4301,7 +4301,7 @@
     </p:spTree>
     <p:extLst>
       <p:ext uri="{BB962C8B-B14F-4D97-AF65-F5344CB8AC3E}">
-        <p14:creationId xmlns:p14="http://schemas.microsoft.com/office/powerpoint/2010/main" val="1701604397"/>
+        <p14:creationId xmlns:p14="http://schemas.microsoft.com/office/powerpoint/2010/main" val="2673305236"/>
       </p:ext>
     </p:extLst>
   </p:cSld>

--- a/research_question_presentation_A113.pptx
+++ b/research_question_presentation_A113.pptx
@@ -13,7 +13,7 @@
   <p:sldIdLst>
     <p:sldId id="341" r:id="rId2"/>
     <p:sldId id="344" r:id="rId3"/>
-    <p:sldId id="342" r:id="rId4"/>
+    <p:sldId id="345" r:id="rId4"/>
     <p:sldId id="343" r:id="rId5"/>
   </p:sldIdLst>
   <p:sldSz cx="12192000" cy="6858000"/>
@@ -729,7 +729,7 @@
     </p:spTree>
     <p:extLst>
       <p:ext uri="{BB962C8B-B14F-4D97-AF65-F5344CB8AC3E}">
-        <p14:creationId xmlns:p14="http://schemas.microsoft.com/office/powerpoint/2010/main" val="342310154"/>
+        <p14:creationId xmlns:p14="http://schemas.microsoft.com/office/powerpoint/2010/main" val="720368837"/>
       </p:ext>
     </p:extLst>
   </p:cSld>
@@ -4542,7 +4542,7 @@
     </p:spTree>
     <p:extLst>
       <p:ext uri="{BB962C8B-B14F-4D97-AF65-F5344CB8AC3E}">
-        <p14:creationId xmlns:p14="http://schemas.microsoft.com/office/powerpoint/2010/main" val="1627490454"/>
+        <p14:creationId xmlns:p14="http://schemas.microsoft.com/office/powerpoint/2010/main" val="3844680333"/>
       </p:ext>
     </p:extLst>
   </p:cSld>
